--- a/U1_Introduccion_a_la_programacion/PracticaGuiada01_Introduccion_a_la_programacion.pptx
+++ b/U1_Introduccion_a_la_programacion/PracticaGuiada01_Introduccion_a_la_programacion.pptx
@@ -40,31 +40,41 @@
     <p:sldId id="269" r:id="rId34"/>
     <p:sldId id="270" r:id="rId35"/>
     <p:sldId id="301" r:id="rId36"/>
-    <p:sldId id="315" r:id="rId37"/>
-    <p:sldId id="271" r:id="rId38"/>
-    <p:sldId id="272" r:id="rId39"/>
-    <p:sldId id="273" r:id="rId40"/>
-    <p:sldId id="274" r:id="rId41"/>
-    <p:sldId id="275" r:id="rId42"/>
-    <p:sldId id="276" r:id="rId43"/>
-    <p:sldId id="277" r:id="rId44"/>
-    <p:sldId id="278" r:id="rId45"/>
-    <p:sldId id="279" r:id="rId46"/>
-    <p:sldId id="280" r:id="rId47"/>
-    <p:sldId id="281" r:id="rId48"/>
-    <p:sldId id="282" r:id="rId49"/>
-    <p:sldId id="283" r:id="rId50"/>
-    <p:sldId id="284" r:id="rId51"/>
-    <p:sldId id="285" r:id="rId52"/>
-    <p:sldId id="286" r:id="rId53"/>
-    <p:sldId id="287" r:id="rId54"/>
-    <p:sldId id="288" r:id="rId55"/>
-    <p:sldId id="289" r:id="rId56"/>
-    <p:sldId id="290" r:id="rId57"/>
-    <p:sldId id="291" r:id="rId58"/>
-    <p:sldId id="292" r:id="rId59"/>
-    <p:sldId id="293" r:id="rId60"/>
-    <p:sldId id="258" r:id="rId61"/>
+    <p:sldId id="316" r:id="rId37"/>
+    <p:sldId id="317" r:id="rId38"/>
+    <p:sldId id="318" r:id="rId39"/>
+    <p:sldId id="319" r:id="rId40"/>
+    <p:sldId id="320" r:id="rId41"/>
+    <p:sldId id="321" r:id="rId42"/>
+    <p:sldId id="323" r:id="rId43"/>
+    <p:sldId id="322" r:id="rId44"/>
+    <p:sldId id="324" r:id="rId45"/>
+    <p:sldId id="325" r:id="rId46"/>
+    <p:sldId id="315" r:id="rId47"/>
+    <p:sldId id="271" r:id="rId48"/>
+    <p:sldId id="272" r:id="rId49"/>
+    <p:sldId id="273" r:id="rId50"/>
+    <p:sldId id="274" r:id="rId51"/>
+    <p:sldId id="275" r:id="rId52"/>
+    <p:sldId id="276" r:id="rId53"/>
+    <p:sldId id="277" r:id="rId54"/>
+    <p:sldId id="278" r:id="rId55"/>
+    <p:sldId id="279" r:id="rId56"/>
+    <p:sldId id="280" r:id="rId57"/>
+    <p:sldId id="281" r:id="rId58"/>
+    <p:sldId id="282" r:id="rId59"/>
+    <p:sldId id="283" r:id="rId60"/>
+    <p:sldId id="284" r:id="rId61"/>
+    <p:sldId id="285" r:id="rId62"/>
+    <p:sldId id="286" r:id="rId63"/>
+    <p:sldId id="287" r:id="rId64"/>
+    <p:sldId id="288" r:id="rId65"/>
+    <p:sldId id="289" r:id="rId66"/>
+    <p:sldId id="290" r:id="rId67"/>
+    <p:sldId id="291" r:id="rId68"/>
+    <p:sldId id="292" r:id="rId69"/>
+    <p:sldId id="293" r:id="rId70"/>
+    <p:sldId id="258" r:id="rId71"/>
   </p:sldIdLst>
   <p:sldSz cx="12192000" cy="6858000"/>
   <p:notesSz cx="6858000" cy="9144000"/>
@@ -302,7 +312,7 @@
           <a:p>
             <a:fld id="{52E1F3CF-CBB0-4B70-B3EC-A5BE15E68A1B}" type="datetimeFigureOut">
               <a:rPr lang="es-MX" smtClean="0"/>
-              <a:t>01/03/2021</a:t>
+              <a:t>08/03/2021</a:t>
             </a:fld>
             <a:endParaRPr lang="es-MX"/>
           </a:p>
@@ -472,7 +482,7 @@
           <a:p>
             <a:fld id="{52E1F3CF-CBB0-4B70-B3EC-A5BE15E68A1B}" type="datetimeFigureOut">
               <a:rPr lang="es-MX" smtClean="0"/>
-              <a:t>01/03/2021</a:t>
+              <a:t>08/03/2021</a:t>
             </a:fld>
             <a:endParaRPr lang="es-MX"/>
           </a:p>
@@ -652,7 +662,7 @@
           <a:p>
             <a:fld id="{52E1F3CF-CBB0-4B70-B3EC-A5BE15E68A1B}" type="datetimeFigureOut">
               <a:rPr lang="es-MX" smtClean="0"/>
-              <a:t>01/03/2021</a:t>
+              <a:t>08/03/2021</a:t>
             </a:fld>
             <a:endParaRPr lang="es-MX"/>
           </a:p>
@@ -822,7 +832,7 @@
           <a:p>
             <a:fld id="{52E1F3CF-CBB0-4B70-B3EC-A5BE15E68A1B}" type="datetimeFigureOut">
               <a:rPr lang="es-MX" smtClean="0"/>
-              <a:t>01/03/2021</a:t>
+              <a:t>08/03/2021</a:t>
             </a:fld>
             <a:endParaRPr lang="es-MX"/>
           </a:p>
@@ -1068,7 +1078,7 @@
           <a:p>
             <a:fld id="{52E1F3CF-CBB0-4B70-B3EC-A5BE15E68A1B}" type="datetimeFigureOut">
               <a:rPr lang="es-MX" smtClean="0"/>
-              <a:t>01/03/2021</a:t>
+              <a:t>08/03/2021</a:t>
             </a:fld>
             <a:endParaRPr lang="es-MX"/>
           </a:p>
@@ -1300,7 +1310,7 @@
           <a:p>
             <a:fld id="{52E1F3CF-CBB0-4B70-B3EC-A5BE15E68A1B}" type="datetimeFigureOut">
               <a:rPr lang="es-MX" smtClean="0"/>
-              <a:t>01/03/2021</a:t>
+              <a:t>08/03/2021</a:t>
             </a:fld>
             <a:endParaRPr lang="es-MX"/>
           </a:p>
@@ -1667,7 +1677,7 @@
           <a:p>
             <a:fld id="{52E1F3CF-CBB0-4B70-B3EC-A5BE15E68A1B}" type="datetimeFigureOut">
               <a:rPr lang="es-MX" smtClean="0"/>
-              <a:t>01/03/2021</a:t>
+              <a:t>08/03/2021</a:t>
             </a:fld>
             <a:endParaRPr lang="es-MX"/>
           </a:p>
@@ -1785,7 +1795,7 @@
           <a:p>
             <a:fld id="{52E1F3CF-CBB0-4B70-B3EC-A5BE15E68A1B}" type="datetimeFigureOut">
               <a:rPr lang="es-MX" smtClean="0"/>
-              <a:t>01/03/2021</a:t>
+              <a:t>08/03/2021</a:t>
             </a:fld>
             <a:endParaRPr lang="es-MX"/>
           </a:p>
@@ -1880,7 +1890,7 @@
           <a:p>
             <a:fld id="{52E1F3CF-CBB0-4B70-B3EC-A5BE15E68A1B}" type="datetimeFigureOut">
               <a:rPr lang="es-MX" smtClean="0"/>
-              <a:t>01/03/2021</a:t>
+              <a:t>08/03/2021</a:t>
             </a:fld>
             <a:endParaRPr lang="es-MX"/>
           </a:p>
@@ -2157,7 +2167,7 @@
           <a:p>
             <a:fld id="{52E1F3CF-CBB0-4B70-B3EC-A5BE15E68A1B}" type="datetimeFigureOut">
               <a:rPr lang="es-MX" smtClean="0"/>
-              <a:t>01/03/2021</a:t>
+              <a:t>08/03/2021</a:t>
             </a:fld>
             <a:endParaRPr lang="es-MX"/>
           </a:p>
@@ -2410,7 +2420,7 @@
           <a:p>
             <a:fld id="{52E1F3CF-CBB0-4B70-B3EC-A5BE15E68A1B}" type="datetimeFigureOut">
               <a:rPr lang="es-MX" smtClean="0"/>
-              <a:t>01/03/2021</a:t>
+              <a:t>08/03/2021</a:t>
             </a:fld>
             <a:endParaRPr lang="es-MX"/>
           </a:p>
@@ -2623,7 +2633,7 @@
           <a:p>
             <a:fld id="{52E1F3CF-CBB0-4B70-B3EC-A5BE15E68A1B}" type="datetimeFigureOut">
               <a:rPr lang="es-MX" smtClean="0"/>
-              <a:t>01/03/2021</a:t>
+              <a:t>08/03/2021</a:t>
             </a:fld>
             <a:endParaRPr lang="es-MX"/>
           </a:p>
@@ -5776,29 +5786,101 @@
             <p:ph type="title"/>
           </p:nvPr>
         </p:nvSpPr>
-        <p:spPr/>
+        <p:spPr>
+          <a:xfrm>
+            <a:off x="838200" y="0"/>
+            <a:ext cx="10515600" cy="1325563"/>
+          </a:xfrm>
+        </p:spPr>
         <p:txBody>
           <a:bodyPr/>
           <a:lstStyle/>
           <a:p>
             <a:r>
               <a:rPr lang="es-MX" dirty="0" smtClean="0"/>
-              <a:t>1.4 Operadores</a:t>
+              <a:t>1.3 Creación de código fuente, objeto y ejecutable</a:t>
             </a:r>
             <a:endParaRPr lang="es-MX" dirty="0"/>
           </a:p>
         </p:txBody>
       </p:sp>
+      <p:sp>
+        <p:nvSpPr>
+          <p:cNvPr id="3" name="CuadroTexto 2"/>
+          <p:cNvSpPr txBox="1"/>
+          <p:nvPr/>
+        </p:nvSpPr>
+        <p:spPr>
+          <a:xfrm>
+            <a:off x="838200" y="1325563"/>
+            <a:ext cx="8438207" cy="954107"/>
+          </a:xfrm>
+          <a:prstGeom prst="rect">
+            <a:avLst/>
+          </a:prstGeom>
+          <a:noFill/>
+        </p:spPr>
+        <p:txBody>
+          <a:bodyPr wrap="none" rtlCol="0">
+            <a:spAutoFit/>
+          </a:bodyPr>
+          <a:lstStyle/>
+          <a:p>
+            <a:r>
+              <a:rPr lang="es-MX" sz="2800" dirty="0" smtClean="0"/>
+              <a:t>1.3.1 Ejecución de un programa</a:t>
+            </a:r>
+          </a:p>
+          <a:p>
+            <a:r>
+              <a:rPr lang="es-MX" sz="2800" dirty="0" smtClean="0"/>
+              <a:t>Después de crear el código fuente con un editor de texto</a:t>
+            </a:r>
+            <a:endParaRPr lang="es-MX" sz="2800" dirty="0"/>
+          </a:p>
+        </p:txBody>
+      </p:sp>
+      <p:pic>
+        <p:nvPicPr>
+          <p:cNvPr id="4" name="Imagen 3"/>
+          <p:cNvPicPr>
+            <a:picLocks noChangeAspect="1"/>
+          </p:cNvPicPr>
+          <p:nvPr/>
+        </p:nvPicPr>
+        <p:blipFill>
+          <a:blip r:embed="rId2"/>
+          <a:stretch>
+            <a:fillRect/>
+          </a:stretch>
+        </p:blipFill>
+        <p:spPr>
+          <a:xfrm>
+            <a:off x="3325141" y="2279670"/>
+            <a:ext cx="5541718" cy="4460725"/>
+          </a:xfrm>
+          <a:prstGeom prst="rect">
+            <a:avLst/>
+          </a:prstGeom>
+        </p:spPr>
+      </p:pic>
     </p:spTree>
     <p:extLst>
       <p:ext uri="{BB962C8B-B14F-4D97-AF65-F5344CB8AC3E}">
-        <p14:creationId xmlns:p14="http://schemas.microsoft.com/office/powerpoint/2010/main" val="2819403610"/>
+        <p14:creationId xmlns:p14="http://schemas.microsoft.com/office/powerpoint/2010/main" val="2233843563"/>
       </p:ext>
     </p:extLst>
   </p:cSld>
   <p:clrMapOvr>
     <a:masterClrMapping/>
   </p:clrMapOvr>
+  <p:timing>
+    <p:tnLst>
+      <p:par>
+        <p:cTn id="1" dur="indefinite" restart="never" nodeType="tmRoot"/>
+      </p:par>
+    </p:tnLst>
+  </p:timing>
 </p:sld>
 </file>
 
@@ -5821,35 +5903,188 @@
       </p:grpSpPr>
       <p:sp>
         <p:nvSpPr>
-          <p:cNvPr id="2" name="Título 1"/>
-          <p:cNvSpPr>
-            <a:spLocks noGrp="1"/>
-          </p:cNvSpPr>
-          <p:nvPr>
-            <p:ph type="title"/>
-          </p:nvPr>
-        </p:nvSpPr>
-        <p:spPr>
-          <a:xfrm>
-            <a:off x="820616" y="0"/>
-            <a:ext cx="10515600" cy="1325563"/>
-          </a:xfrm>
-        </p:spPr>
-        <p:txBody>
-          <a:bodyPr/>
-          <a:lstStyle/>
-          <a:p>
+          <p:cNvPr id="2" name="CuadroTexto 1"/>
+          <p:cNvSpPr txBox="1"/>
+          <p:nvPr/>
+        </p:nvSpPr>
+        <p:spPr>
+          <a:xfrm>
+            <a:off x="844061" y="1143000"/>
+            <a:ext cx="10694338" cy="4524315"/>
+          </a:xfrm>
+          <a:prstGeom prst="rect">
+            <a:avLst/>
+          </a:prstGeom>
+          <a:noFill/>
+        </p:spPr>
+        <p:txBody>
+          <a:bodyPr wrap="none" rtlCol="0">
+            <a:spAutoFit/>
+          </a:bodyPr>
+          <a:lstStyle/>
+          <a:p>
+            <a:r>
+              <a:rPr lang="es-MX" sz="2800" dirty="0" smtClean="0"/>
+              <a:t>El archivo objeto correspondiente se crea, en el caso del compilador  </a:t>
+            </a:r>
+          </a:p>
+          <a:p>
+            <a:r>
+              <a:rPr lang="es-MX" sz="2800" dirty="0" smtClean="0"/>
+              <a:t>mingw32-gcc.exe, con el comando:</a:t>
+            </a:r>
+          </a:p>
+          <a:p>
+            <a:r>
+              <a:rPr lang="es-MX" dirty="0"/>
+              <a:t>mingw32-gcc.exe -Wall -O2  -c C:\Users\LMC\2021\ProjectDebugme\debugme.c -o </a:t>
+            </a:r>
+            <a:r>
+              <a:rPr lang="es-MX" dirty="0" err="1" smtClean="0"/>
+              <a:t>obj</a:t>
+            </a:r>
             <a:r>
               <a:rPr lang="es-MX" dirty="0" smtClean="0"/>
-              <a:t>Operadores</a:t>
-            </a:r>
-            <a:endParaRPr lang="es-MX" dirty="0"/>
+              <a:t>\</a:t>
+            </a:r>
+            <a:r>
+              <a:rPr lang="es-MX" dirty="0" err="1" smtClean="0"/>
+              <a:t>Release</a:t>
+            </a:r>
+            <a:r>
+              <a:rPr lang="es-MX" dirty="0" smtClean="0"/>
+              <a:t>\</a:t>
+            </a:r>
+            <a:r>
+              <a:rPr lang="es-MX" dirty="0" err="1" smtClean="0"/>
+              <a:t>debugme.o</a:t>
+            </a:r>
+            <a:endParaRPr lang="es-MX" dirty="0" smtClean="0"/>
+          </a:p>
+          <a:p>
+            <a:r>
+              <a:rPr lang="es-MX" sz="2800" dirty="0"/>
+              <a:t>q</a:t>
+            </a:r>
+            <a:r>
+              <a:rPr lang="es-MX" sz="2800" dirty="0" smtClean="0"/>
+              <a:t>ue el IDE </a:t>
+            </a:r>
+            <a:r>
+              <a:rPr lang="es-MX" sz="2800" dirty="0" err="1" smtClean="0"/>
+              <a:t>Codeblocks</a:t>
+            </a:r>
+            <a:r>
+              <a:rPr lang="es-MX" sz="2800" dirty="0" smtClean="0"/>
+              <a:t> ejecuta por nosotros.</a:t>
+            </a:r>
+          </a:p>
+          <a:p>
+            <a:endParaRPr lang="es-MX" sz="2800" dirty="0"/>
+          </a:p>
+          <a:p>
+            <a:r>
+              <a:rPr lang="es-MX" sz="2800" dirty="0" smtClean="0"/>
+              <a:t>Después del comando anterior, el entorno de desarrollo crea un archivo </a:t>
+            </a:r>
+          </a:p>
+          <a:p>
+            <a:r>
+              <a:rPr lang="es-MX" sz="2800" dirty="0" smtClean="0"/>
+              <a:t>ejecutable, ejecutando por nosotros el siguiente comando:</a:t>
+            </a:r>
+          </a:p>
+          <a:p>
+            <a:r>
+              <a:rPr lang="es-MX" dirty="0"/>
+              <a:t>mingw32-g++.exe  -o </a:t>
+            </a:r>
+            <a:r>
+              <a:rPr lang="es-MX" dirty="0" err="1"/>
+              <a:t>bin</a:t>
+            </a:r>
+            <a:r>
+              <a:rPr lang="es-MX" dirty="0"/>
+              <a:t>\</a:t>
+            </a:r>
+            <a:r>
+              <a:rPr lang="es-MX" dirty="0" err="1"/>
+              <a:t>Release</a:t>
+            </a:r>
+            <a:r>
+              <a:rPr lang="es-MX" dirty="0"/>
+              <a:t>\ProjectDebugme.exe </a:t>
+            </a:r>
+            <a:r>
+              <a:rPr lang="es-MX" dirty="0" err="1"/>
+              <a:t>obj</a:t>
+            </a:r>
+            <a:r>
+              <a:rPr lang="es-MX" dirty="0"/>
+              <a:t>\</a:t>
+            </a:r>
+            <a:r>
+              <a:rPr lang="es-MX" dirty="0" err="1"/>
+              <a:t>Release</a:t>
+            </a:r>
+            <a:r>
+              <a:rPr lang="es-MX" dirty="0"/>
+              <a:t>\</a:t>
+            </a:r>
+            <a:r>
+              <a:rPr lang="es-MX" dirty="0" err="1"/>
+              <a:t>debugme.o</a:t>
+            </a:r>
+            <a:r>
+              <a:rPr lang="es-MX" dirty="0"/>
+              <a:t>  -</a:t>
+            </a:r>
+            <a:r>
+              <a:rPr lang="es-MX" dirty="0" smtClean="0"/>
+              <a:t>s</a:t>
+            </a:r>
+          </a:p>
+          <a:p>
+            <a:endParaRPr lang="es-MX" sz="2800" dirty="0" smtClean="0"/>
+          </a:p>
+          <a:p>
+            <a:r>
+              <a:rPr lang="es-MX" sz="2800" dirty="0" smtClean="0"/>
+              <a:t>En el entorno </a:t>
+            </a:r>
+            <a:r>
+              <a:rPr lang="es-MX" sz="2800" dirty="0" err="1" smtClean="0"/>
+              <a:t>Codeblocks</a:t>
+            </a:r>
+            <a:r>
+              <a:rPr lang="es-MX" sz="2800" dirty="0" smtClean="0"/>
+              <a:t>, la ejecución se realiza dando clic en el botón </a:t>
+            </a:r>
+          </a:p>
+          <a:p>
+            <a:r>
+              <a:rPr lang="es-MX" sz="2800" dirty="0"/>
+              <a:t>d</a:t>
+            </a:r>
+            <a:r>
+              <a:rPr lang="es-MX" sz="2800" dirty="0" smtClean="0"/>
+              <a:t>e </a:t>
+            </a:r>
+            <a:r>
+              <a:rPr lang="es-MX" sz="2800" dirty="0" err="1" smtClean="0"/>
+              <a:t>play</a:t>
+            </a:r>
+            <a:r>
+              <a:rPr lang="es-MX" sz="2800" dirty="0" smtClean="0"/>
+              <a:t> (icono de triángulo verde) que se muestra a continuación.</a:t>
+            </a:r>
+            <a:endParaRPr lang="es-MX" sz="2800" dirty="0"/>
           </a:p>
         </p:txBody>
       </p:sp>
       <p:pic>
         <p:nvPicPr>
-          <p:cNvPr id="4" name="Imagen 3"/>
+          <p:cNvPr id="3" name="Imagen 2"/>
           <p:cNvPicPr>
             <a:picLocks noChangeAspect="1"/>
           </p:cNvPicPr>
@@ -5863,18 +6098,48 @@
         </p:blipFill>
         <p:spPr>
           <a:xfrm>
-            <a:off x="2201111" y="881062"/>
-            <a:ext cx="7754609" cy="5818676"/>
+            <a:off x="4340696" y="5838092"/>
+            <a:ext cx="3701069" cy="633046"/>
           </a:xfrm>
           <a:prstGeom prst="rect">
             <a:avLst/>
           </a:prstGeom>
         </p:spPr>
       </p:pic>
+      <p:sp>
+        <p:nvSpPr>
+          <p:cNvPr id="4" name="CuadroTexto 3"/>
+          <p:cNvSpPr txBox="1"/>
+          <p:nvPr/>
+        </p:nvSpPr>
+        <p:spPr>
+          <a:xfrm>
+            <a:off x="844061" y="449003"/>
+            <a:ext cx="5826531" cy="523220"/>
+          </a:xfrm>
+          <a:prstGeom prst="rect">
+            <a:avLst/>
+          </a:prstGeom>
+          <a:noFill/>
+        </p:spPr>
+        <p:txBody>
+          <a:bodyPr wrap="none" rtlCol="0">
+            <a:spAutoFit/>
+          </a:bodyPr>
+          <a:lstStyle/>
+          <a:p>
+            <a:r>
+              <a:rPr lang="es-MX" sz="2800" dirty="0" smtClean="0"/>
+              <a:t>Creación de código objeto y ejecutable</a:t>
+            </a:r>
+            <a:endParaRPr lang="es-MX" sz="2800" dirty="0"/>
+          </a:p>
+        </p:txBody>
+      </p:sp>
     </p:spTree>
     <p:extLst>
       <p:ext uri="{BB962C8B-B14F-4D97-AF65-F5344CB8AC3E}">
-        <p14:creationId xmlns:p14="http://schemas.microsoft.com/office/powerpoint/2010/main" val="161607695"/>
+        <p14:creationId xmlns:p14="http://schemas.microsoft.com/office/powerpoint/2010/main" val="3513279913"/>
       </p:ext>
     </p:extLst>
   </p:cSld>
@@ -5920,7 +6185,7 @@
         </p:nvSpPr>
         <p:spPr>
           <a:xfrm>
-            <a:off x="873370" y="0"/>
+            <a:off x="820616" y="0"/>
             <a:ext cx="10515600" cy="1325563"/>
           </a:xfrm>
         </p:spPr>
@@ -5930,9 +6195,39 @@
           <a:p>
             <a:r>
               <a:rPr lang="es-MX" dirty="0" smtClean="0"/>
-              <a:t>Operadores aritméticos</a:t>
+              <a:t>Programa en ejecución</a:t>
             </a:r>
             <a:endParaRPr lang="es-MX" dirty="0"/>
+          </a:p>
+        </p:txBody>
+      </p:sp>
+      <p:sp>
+        <p:nvSpPr>
+          <p:cNvPr id="3" name="CuadroTexto 2"/>
+          <p:cNvSpPr txBox="1"/>
+          <p:nvPr/>
+        </p:nvSpPr>
+        <p:spPr>
+          <a:xfrm>
+            <a:off x="820616" y="1063953"/>
+            <a:ext cx="9292929" cy="523220"/>
+          </a:xfrm>
+          <a:prstGeom prst="rect">
+            <a:avLst/>
+          </a:prstGeom>
+          <a:noFill/>
+        </p:spPr>
+        <p:txBody>
+          <a:bodyPr wrap="none" rtlCol="0">
+            <a:spAutoFit/>
+          </a:bodyPr>
+          <a:lstStyle/>
+          <a:p>
+            <a:r>
+              <a:rPr lang="es-MX" sz="2800" dirty="0" smtClean="0"/>
+              <a:t>Durante su ejecución, el programa usa las siguiente bibliotecas</a:t>
+            </a:r>
+            <a:endParaRPr lang="es-MX" sz="2800" dirty="0"/>
           </a:p>
         </p:txBody>
       </p:sp>
@@ -5952,8 +6247,175 @@
         </p:blipFill>
         <p:spPr>
           <a:xfrm>
-            <a:off x="2272995" y="908172"/>
-            <a:ext cx="7716350" cy="5817277"/>
+            <a:off x="965316" y="1587173"/>
+            <a:ext cx="5514975" cy="1828800"/>
+          </a:xfrm>
+          <a:prstGeom prst="rect">
+            <a:avLst/>
+          </a:prstGeom>
+        </p:spPr>
+      </p:pic>
+      <p:sp>
+        <p:nvSpPr>
+          <p:cNvPr id="5" name="CuadroTexto 4"/>
+          <p:cNvSpPr txBox="1"/>
+          <p:nvPr/>
+        </p:nvSpPr>
+        <p:spPr>
+          <a:xfrm>
+            <a:off x="820616" y="3415973"/>
+            <a:ext cx="10948125" cy="2677656"/>
+          </a:xfrm>
+          <a:prstGeom prst="rect">
+            <a:avLst/>
+          </a:prstGeom>
+          <a:noFill/>
+        </p:spPr>
+        <p:txBody>
+          <a:bodyPr wrap="none" rtlCol="0">
+            <a:spAutoFit/>
+          </a:bodyPr>
+          <a:lstStyle/>
+          <a:p>
+            <a:r>
+              <a:rPr lang="es-MX" sz="2800" dirty="0" smtClean="0"/>
+              <a:t>Para obtener esta información se seleccionó el target </a:t>
+            </a:r>
+            <a:r>
+              <a:rPr lang="es-MX" sz="2800" dirty="0" err="1" smtClean="0"/>
+              <a:t>Debug</a:t>
+            </a:r>
+            <a:r>
+              <a:rPr lang="es-MX" sz="2800" dirty="0" smtClean="0"/>
+              <a:t>, se colocó </a:t>
+            </a:r>
+          </a:p>
+          <a:p>
+            <a:r>
+              <a:rPr lang="es-MX" sz="2800" dirty="0" smtClean="0"/>
+              <a:t>un punto de ruptura en la línea donde está la función </a:t>
+            </a:r>
+            <a:r>
+              <a:rPr lang="es-MX" sz="2800" dirty="0" err="1" smtClean="0"/>
+              <a:t>main</a:t>
+            </a:r>
+            <a:r>
+              <a:rPr lang="es-MX" sz="2800" dirty="0" smtClean="0"/>
+              <a:t> del archivo </a:t>
+            </a:r>
+          </a:p>
+          <a:p>
+            <a:r>
+              <a:rPr lang="es-MX" sz="2800" dirty="0" smtClean="0"/>
+              <a:t>de código fuente. Se dio clic en el botón </a:t>
+            </a:r>
+            <a:r>
+              <a:rPr lang="es-MX" sz="2800" dirty="0" err="1" smtClean="0"/>
+              <a:t>play</a:t>
+            </a:r>
+            <a:r>
+              <a:rPr lang="es-MX" sz="2800" dirty="0" smtClean="0"/>
+              <a:t> de color rojo. Cuando la </a:t>
+            </a:r>
+          </a:p>
+          <a:p>
+            <a:r>
+              <a:rPr lang="es-MX" sz="2800" dirty="0" smtClean="0"/>
+              <a:t>ejecución del programa se detuvo al ingresar a la función </a:t>
+            </a:r>
+            <a:r>
+              <a:rPr lang="es-MX" sz="2800" dirty="0" err="1" smtClean="0"/>
+              <a:t>main</a:t>
+            </a:r>
+            <a:r>
+              <a:rPr lang="es-MX" sz="2800" dirty="0" smtClean="0"/>
+              <a:t>, se dio clic </a:t>
+            </a:r>
+          </a:p>
+          <a:p>
+            <a:r>
+              <a:rPr lang="es-MX" sz="2800" dirty="0" smtClean="0"/>
+              <a:t>en el botón </a:t>
+            </a:r>
+            <a:r>
+              <a:rPr lang="es-MX" sz="2800" dirty="0" err="1" smtClean="0"/>
+              <a:t>Various</a:t>
+            </a:r>
+            <a:r>
+              <a:rPr lang="es-MX" sz="2800" dirty="0" smtClean="0"/>
+              <a:t> </a:t>
+            </a:r>
+            <a:r>
+              <a:rPr lang="es-MX" sz="2800" dirty="0" err="1" smtClean="0"/>
+              <a:t>info</a:t>
+            </a:r>
+            <a:r>
+              <a:rPr lang="es-MX" sz="2800" dirty="0" smtClean="0"/>
+              <a:t> (el que tiene la letra i), y se seleccionó la opción </a:t>
+            </a:r>
+          </a:p>
+          <a:p>
+            <a:r>
+              <a:rPr lang="es-MX" sz="2800" dirty="0" err="1" smtClean="0"/>
+              <a:t>Loaded</a:t>
+            </a:r>
+            <a:r>
+              <a:rPr lang="es-MX" sz="2800" dirty="0" smtClean="0"/>
+              <a:t> </a:t>
+            </a:r>
+            <a:r>
+              <a:rPr lang="es-MX" sz="2800" dirty="0" err="1" smtClean="0"/>
+              <a:t>libraries</a:t>
+            </a:r>
+            <a:r>
+              <a:rPr lang="es-MX" sz="2800" dirty="0" smtClean="0"/>
+              <a:t>.</a:t>
+            </a:r>
+          </a:p>
+        </p:txBody>
+      </p:sp>
+      <p:pic>
+        <p:nvPicPr>
+          <p:cNvPr id="6" name="Imagen 5"/>
+          <p:cNvPicPr>
+            <a:picLocks noChangeAspect="1"/>
+          </p:cNvPicPr>
+          <p:nvPr/>
+        </p:nvPicPr>
+        <p:blipFill>
+          <a:blip r:embed="rId3"/>
+          <a:stretch>
+            <a:fillRect/>
+          </a:stretch>
+        </p:blipFill>
+        <p:spPr>
+          <a:xfrm>
+            <a:off x="3722804" y="6093629"/>
+            <a:ext cx="5113099" cy="592823"/>
+          </a:xfrm>
+          <a:prstGeom prst="rect">
+            <a:avLst/>
+          </a:prstGeom>
+        </p:spPr>
+      </p:pic>
+      <p:pic>
+        <p:nvPicPr>
+          <p:cNvPr id="7" name="Imagen 6"/>
+          <p:cNvPicPr>
+            <a:picLocks noChangeAspect="1"/>
+          </p:cNvPicPr>
+          <p:nvPr/>
+        </p:nvPicPr>
+        <p:blipFill>
+          <a:blip r:embed="rId4"/>
+          <a:stretch>
+            <a:fillRect/>
+          </a:stretch>
+        </p:blipFill>
+        <p:spPr>
+          <a:xfrm>
+            <a:off x="8549979" y="2297274"/>
+            <a:ext cx="2212848" cy="857089"/>
           </a:xfrm>
           <a:prstGeom prst="rect">
             <a:avLst/>
@@ -5963,7 +6425,7 @@
     </p:spTree>
     <p:extLst>
       <p:ext uri="{BB962C8B-B14F-4D97-AF65-F5344CB8AC3E}">
-        <p14:creationId xmlns:p14="http://schemas.microsoft.com/office/powerpoint/2010/main" val="293310529"/>
+        <p14:creationId xmlns:p14="http://schemas.microsoft.com/office/powerpoint/2010/main" val="396304573"/>
       </p:ext>
     </p:extLst>
   </p:cSld>
@@ -6007,22 +6469,89 @@
             <p:ph type="title"/>
           </p:nvPr>
         </p:nvSpPr>
-        <p:spPr/>
+        <p:spPr>
+          <a:xfrm>
+            <a:off x="1002323" y="-351693"/>
+            <a:ext cx="10515600" cy="1325563"/>
+          </a:xfrm>
+        </p:spPr>
         <p:txBody>
           <a:bodyPr/>
           <a:lstStyle/>
           <a:p>
             <a:r>
               <a:rPr lang="es-MX" dirty="0" smtClean="0"/>
-              <a:t>Ejemplo 10</a:t>
+              <a:t>1.3.2 Depuración</a:t>
             </a:r>
             <a:endParaRPr lang="es-MX" dirty="0"/>
+          </a:p>
+        </p:txBody>
+      </p:sp>
+      <p:sp>
+        <p:nvSpPr>
+          <p:cNvPr id="4" name="CuadroTexto 3"/>
+          <p:cNvSpPr txBox="1"/>
+          <p:nvPr/>
+        </p:nvSpPr>
+        <p:spPr>
+          <a:xfrm>
+            <a:off x="1002323" y="516671"/>
+            <a:ext cx="11055271" cy="2246769"/>
+          </a:xfrm>
+          <a:prstGeom prst="rect">
+            <a:avLst/>
+          </a:prstGeom>
+          <a:noFill/>
+        </p:spPr>
+        <p:txBody>
+          <a:bodyPr wrap="none" rtlCol="0">
+            <a:spAutoFit/>
+          </a:bodyPr>
+          <a:lstStyle/>
+          <a:p>
+            <a:r>
+              <a:rPr lang="es-MX" sz="2800" dirty="0" smtClean="0"/>
+              <a:t>Véase el documento anexo a esta presentación depuracion.docx para </a:t>
+            </a:r>
+          </a:p>
+          <a:p>
+            <a:r>
+              <a:rPr lang="es-MX" sz="2800" dirty="0" smtClean="0"/>
+              <a:t>una descripción del uso de los comandos básicos del programa GDB para </a:t>
+            </a:r>
+          </a:p>
+          <a:p>
+            <a:r>
+              <a:rPr lang="es-MX" sz="2800" dirty="0" smtClean="0"/>
+              <a:t>hacer depuración desde la línea de comandos de un sistema operativo </a:t>
+            </a:r>
+          </a:p>
+          <a:p>
+            <a:r>
+              <a:rPr lang="es-MX" sz="2800" dirty="0" smtClean="0"/>
+              <a:t>GNU-Linux. Por otra parte, en el IDE </a:t>
+            </a:r>
+            <a:r>
+              <a:rPr lang="es-MX" sz="2800" dirty="0" err="1" smtClean="0"/>
+              <a:t>Codeblocks</a:t>
+            </a:r>
+            <a:r>
+              <a:rPr lang="es-MX" sz="2800" dirty="0" smtClean="0"/>
+              <a:t> se muestra a continuación</a:t>
+            </a:r>
+          </a:p>
+          <a:p>
+            <a:r>
+              <a:rPr lang="es-MX" sz="2800" dirty="0" smtClean="0"/>
+              <a:t>una sesión de depuración para el programa:</a:t>
+            </a:r>
+            <a:endParaRPr lang="es-MX" sz="2800" dirty="0"/>
           </a:p>
         </p:txBody>
       </p:sp>
       <p:pic>
         <p:nvPicPr>
-          <p:cNvPr id="4" name="Imagen 3"/>
+          <p:cNvPr id="5" name="Imagen 4"/>
           <p:cNvPicPr>
             <a:picLocks noChangeAspect="1"/>
           </p:cNvPicPr>
@@ -6036,8 +6565,8 @@
         </p:blipFill>
         <p:spPr>
           <a:xfrm>
-            <a:off x="3707789" y="365125"/>
-            <a:ext cx="8324392" cy="6252125"/>
+            <a:off x="3982753" y="2763440"/>
+            <a:ext cx="5094410" cy="3831756"/>
           </a:xfrm>
           <a:prstGeom prst="rect">
             <a:avLst/>
@@ -6047,7 +6576,7 @@
     </p:spTree>
     <p:extLst>
       <p:ext uri="{BB962C8B-B14F-4D97-AF65-F5344CB8AC3E}">
-        <p14:creationId xmlns:p14="http://schemas.microsoft.com/office/powerpoint/2010/main" val="1303097161"/>
+        <p14:creationId xmlns:p14="http://schemas.microsoft.com/office/powerpoint/2010/main" val="1907289950"/>
       </p:ext>
     </p:extLst>
   </p:cSld>
@@ -6179,16 +6708,81 @@
             <p:ph type="title"/>
           </p:nvPr>
         </p:nvSpPr>
-        <p:spPr/>
+        <p:spPr>
+          <a:xfrm>
+            <a:off x="715108" y="-303090"/>
+            <a:ext cx="10515600" cy="1325563"/>
+          </a:xfrm>
+        </p:spPr>
         <p:txBody>
           <a:bodyPr/>
           <a:lstStyle/>
           <a:p>
             <a:r>
               <a:rPr lang="es-MX" dirty="0" smtClean="0"/>
-              <a:t>Ejemplo 11</a:t>
+              <a:t>Target </a:t>
+            </a:r>
+            <a:r>
+              <a:rPr lang="es-MX" dirty="0" err="1" smtClean="0"/>
+              <a:t>Debug</a:t>
+            </a:r>
+            <a:r>
+              <a:rPr lang="es-MX" dirty="0" smtClean="0"/>
+              <a:t> y punto de ruptura</a:t>
             </a:r>
             <a:endParaRPr lang="es-MX" dirty="0"/>
+          </a:p>
+        </p:txBody>
+      </p:sp>
+      <p:sp>
+        <p:nvSpPr>
+          <p:cNvPr id="3" name="CuadroTexto 2"/>
+          <p:cNvSpPr txBox="1"/>
+          <p:nvPr/>
+        </p:nvSpPr>
+        <p:spPr>
+          <a:xfrm>
+            <a:off x="968493" y="545419"/>
+            <a:ext cx="10008830" cy="954107"/>
+          </a:xfrm>
+          <a:prstGeom prst="rect">
+            <a:avLst/>
+          </a:prstGeom>
+          <a:noFill/>
+        </p:spPr>
+        <p:txBody>
+          <a:bodyPr wrap="none" rtlCol="0">
+            <a:spAutoFit/>
+          </a:bodyPr>
+          <a:lstStyle/>
+          <a:p>
+            <a:r>
+              <a:rPr lang="es-MX" sz="2800" dirty="0" smtClean="0"/>
+              <a:t>Se selecciona el target </a:t>
+            </a:r>
+            <a:r>
+              <a:rPr lang="es-MX" sz="2800" dirty="0" err="1" smtClean="0"/>
+              <a:t>Debug</a:t>
+            </a:r>
+            <a:r>
+              <a:rPr lang="es-MX" sz="2800" dirty="0" smtClean="0"/>
+              <a:t> y se coloca un punto de ruptura en la </a:t>
+            </a:r>
+          </a:p>
+          <a:p>
+            <a:r>
+              <a:rPr lang="es-MX" sz="2800" dirty="0" smtClean="0"/>
+              <a:t>línea de código </a:t>
+            </a:r>
+            <a:r>
+              <a:rPr lang="es-MX" sz="2800" dirty="0" err="1" smtClean="0"/>
+              <a:t>ary</a:t>
+            </a:r>
+            <a:r>
+              <a:rPr lang="es-MX" sz="2800" dirty="0" smtClean="0"/>
+              <a:t>[i] = i, como se muestra en la siguiente figura:</a:t>
+            </a:r>
+            <a:endParaRPr lang="es-MX" sz="2800" dirty="0"/>
           </a:p>
         </p:txBody>
       </p:sp>
@@ -6208,18 +6802,116 @@
         </p:blipFill>
         <p:spPr>
           <a:xfrm>
-            <a:off x="3632322" y="365125"/>
-            <a:ext cx="8435398" cy="6246690"/>
+            <a:off x="8946402" y="4632666"/>
+            <a:ext cx="1752600" cy="1971675"/>
           </a:xfrm>
           <a:prstGeom prst="rect">
             <a:avLst/>
           </a:prstGeom>
         </p:spPr>
       </p:pic>
+      <p:pic>
+        <p:nvPicPr>
+          <p:cNvPr id="5" name="Imagen 4"/>
+          <p:cNvPicPr>
+            <a:picLocks noChangeAspect="1"/>
+          </p:cNvPicPr>
+          <p:nvPr/>
+        </p:nvPicPr>
+        <p:blipFill>
+          <a:blip r:embed="rId3"/>
+          <a:stretch>
+            <a:fillRect/>
+          </a:stretch>
+        </p:blipFill>
+        <p:spPr>
+          <a:xfrm>
+            <a:off x="1124683" y="1499526"/>
+            <a:ext cx="6436702" cy="4815838"/>
+          </a:xfrm>
+          <a:prstGeom prst="rect">
+            <a:avLst/>
+          </a:prstGeom>
+        </p:spPr>
+      </p:pic>
+      <p:sp>
+        <p:nvSpPr>
+          <p:cNvPr id="6" name="CuadroTexto 5"/>
+          <p:cNvSpPr txBox="1"/>
+          <p:nvPr/>
+        </p:nvSpPr>
+        <p:spPr>
+          <a:xfrm>
+            <a:off x="7717575" y="1524123"/>
+            <a:ext cx="4210255" cy="3108543"/>
+          </a:xfrm>
+          <a:prstGeom prst="rect">
+            <a:avLst/>
+          </a:prstGeom>
+          <a:noFill/>
+        </p:spPr>
+        <p:txBody>
+          <a:bodyPr wrap="none" rtlCol="0">
+            <a:spAutoFit/>
+          </a:bodyPr>
+          <a:lstStyle/>
+          <a:p>
+            <a:r>
+              <a:rPr lang="es-MX" sz="2800" dirty="0" smtClean="0"/>
+              <a:t>Dado que el arreglo que se </a:t>
+            </a:r>
+          </a:p>
+          <a:p>
+            <a:r>
+              <a:rPr lang="es-MX" sz="2800" dirty="0" smtClean="0"/>
+              <a:t>pasa como argumento al  </a:t>
+            </a:r>
+          </a:p>
+          <a:p>
+            <a:r>
+              <a:rPr lang="es-MX" sz="2800" dirty="0" smtClean="0"/>
+              <a:t>llamar a la función </a:t>
+            </a:r>
+          </a:p>
+          <a:p>
+            <a:r>
+              <a:rPr lang="es-MX" sz="2800" dirty="0" err="1" smtClean="0"/>
+              <a:t>index_to_the_moon</a:t>
+            </a:r>
+            <a:r>
+              <a:rPr lang="es-MX" sz="2800" dirty="0" smtClean="0"/>
+              <a:t> es de </a:t>
+            </a:r>
+          </a:p>
+          <a:p>
+            <a:r>
+              <a:rPr lang="es-MX" sz="2800" dirty="0" smtClean="0"/>
+              <a:t>tamaño 100, se usó un </a:t>
+            </a:r>
+          </a:p>
+          <a:p>
+            <a:r>
+              <a:rPr lang="es-MX" sz="2800" dirty="0" err="1" smtClean="0"/>
+              <a:t>breakpoint</a:t>
+            </a:r>
+            <a:r>
+              <a:rPr lang="es-MX" sz="2800" dirty="0" smtClean="0"/>
+              <a:t> condicional con </a:t>
+            </a:r>
+          </a:p>
+          <a:p>
+            <a:r>
+              <a:rPr lang="es-MX" sz="2800" dirty="0" smtClean="0"/>
+              <a:t>expresión i  &gt;  99</a:t>
+            </a:r>
+            <a:endParaRPr lang="es-MX" sz="2800" dirty="0"/>
+          </a:p>
+        </p:txBody>
+      </p:sp>
     </p:spTree>
     <p:extLst>
       <p:ext uri="{BB962C8B-B14F-4D97-AF65-F5344CB8AC3E}">
-        <p14:creationId xmlns:p14="http://schemas.microsoft.com/office/powerpoint/2010/main" val="1344731743"/>
+        <p14:creationId xmlns:p14="http://schemas.microsoft.com/office/powerpoint/2010/main" val="3235864591"/>
       </p:ext>
     </p:extLst>
   </p:cSld>
@@ -6265,7 +6957,7 @@
         </p:nvSpPr>
         <p:spPr>
           <a:xfrm>
-            <a:off x="838199" y="0"/>
+            <a:off x="820615" y="-285506"/>
             <a:ext cx="10515600" cy="1325563"/>
           </a:xfrm>
         </p:spPr>
@@ -6275,9 +6967,47 @@
           <a:p>
             <a:r>
               <a:rPr lang="es-MX" dirty="0" smtClean="0"/>
-              <a:t>Operadores unarios</a:t>
+              <a:t>Se ejecuta el programa usando GDB </a:t>
             </a:r>
             <a:endParaRPr lang="es-MX" dirty="0"/>
+          </a:p>
+        </p:txBody>
+      </p:sp>
+      <p:sp>
+        <p:nvSpPr>
+          <p:cNvPr id="3" name="CuadroTexto 2"/>
+          <p:cNvSpPr txBox="1"/>
+          <p:nvPr/>
+        </p:nvSpPr>
+        <p:spPr>
+          <a:xfrm>
+            <a:off x="386862" y="516837"/>
+            <a:ext cx="10999358" cy="523220"/>
+          </a:xfrm>
+          <a:prstGeom prst="rect">
+            <a:avLst/>
+          </a:prstGeom>
+          <a:noFill/>
+        </p:spPr>
+        <p:txBody>
+          <a:bodyPr wrap="none" rtlCol="0">
+            <a:spAutoFit/>
+          </a:bodyPr>
+          <a:lstStyle/>
+          <a:p>
+            <a:r>
+              <a:rPr lang="es-MX" sz="2800" dirty="0" smtClean="0"/>
+              <a:t>El programa se ejecuta en el depurador dando clic en el botón de </a:t>
+            </a:r>
+            <a:r>
+              <a:rPr lang="es-MX" sz="2800" dirty="0" err="1" smtClean="0"/>
+              <a:t>play</a:t>
+            </a:r>
+            <a:r>
+              <a:rPr lang="es-MX" sz="2800" dirty="0" smtClean="0"/>
+              <a:t> rojo</a:t>
+            </a:r>
+            <a:endParaRPr lang="es-MX" sz="2800" dirty="0"/>
           </a:p>
         </p:txBody>
       </p:sp>
@@ -6297,8 +7027,149 @@
         </p:blipFill>
         <p:spPr>
           <a:xfrm>
-            <a:off x="2176027" y="873003"/>
-            <a:ext cx="7839943" cy="5844321"/>
+            <a:off x="3092896" y="1040058"/>
+            <a:ext cx="5470812" cy="665650"/>
+          </a:xfrm>
+          <a:prstGeom prst="rect">
+            <a:avLst/>
+          </a:prstGeom>
+        </p:spPr>
+      </p:pic>
+      <p:sp>
+        <p:nvSpPr>
+          <p:cNvPr id="5" name="CuadroTexto 4"/>
+          <p:cNvSpPr txBox="1"/>
+          <p:nvPr/>
+        </p:nvSpPr>
+        <p:spPr>
+          <a:xfrm>
+            <a:off x="386862" y="1842400"/>
+            <a:ext cx="12471363" cy="2677656"/>
+          </a:xfrm>
+          <a:prstGeom prst="rect">
+            <a:avLst/>
+          </a:prstGeom>
+          <a:noFill/>
+        </p:spPr>
+        <p:txBody>
+          <a:bodyPr wrap="none" rtlCol="0">
+            <a:spAutoFit/>
+          </a:bodyPr>
+          <a:lstStyle/>
+          <a:p>
+            <a:r>
+              <a:rPr lang="es-MX" sz="2800" dirty="0" smtClean="0"/>
+              <a:t>Como el arreglo </a:t>
+            </a:r>
+            <a:r>
+              <a:rPr lang="es-MX" sz="2800" dirty="0" err="1" smtClean="0"/>
+              <a:t>intary</a:t>
+            </a:r>
+            <a:r>
+              <a:rPr lang="es-MX" sz="2800" dirty="0" smtClean="0"/>
+              <a:t> es de tamaño 100, y en la función </a:t>
+            </a:r>
+            <a:r>
+              <a:rPr lang="es-MX" sz="2800" dirty="0" err="1" smtClean="0"/>
+              <a:t>index_to_moon</a:t>
+            </a:r>
+            <a:r>
+              <a:rPr lang="es-MX" sz="2800" dirty="0" smtClean="0"/>
+              <a:t> se </a:t>
+            </a:r>
+          </a:p>
+          <a:p>
+            <a:r>
+              <a:rPr lang="es-MX" sz="2800" dirty="0" smtClean="0"/>
+              <a:t>colocó un </a:t>
+            </a:r>
+            <a:r>
+              <a:rPr lang="es-MX" sz="2800" dirty="0" err="1" smtClean="0"/>
+              <a:t>breakpoint</a:t>
+            </a:r>
+            <a:r>
+              <a:rPr lang="es-MX" sz="2800" dirty="0" smtClean="0"/>
+              <a:t> condicional con expresión i &gt; 99, si el programa se </a:t>
+            </a:r>
+            <a:r>
+              <a:rPr lang="es-MX" sz="2800" dirty="0" err="1" smtClean="0"/>
+              <a:t>detie</a:t>
+            </a:r>
+            <a:r>
+              <a:rPr lang="es-MX" sz="2800" dirty="0" smtClean="0"/>
+              <a:t>-</a:t>
+            </a:r>
+          </a:p>
+          <a:p>
+            <a:r>
+              <a:rPr lang="es-MX" sz="2800" dirty="0" err="1" smtClean="0"/>
+              <a:t>ne</a:t>
+            </a:r>
+            <a:r>
+              <a:rPr lang="es-MX" sz="2800" dirty="0" smtClean="0"/>
+              <a:t> en ese punto de ruptura, significa que en la función se está tratando de </a:t>
+            </a:r>
+          </a:p>
+          <a:p>
+            <a:r>
+              <a:rPr lang="es-MX" sz="2800" dirty="0" smtClean="0"/>
+              <a:t>acceder a una localidad de </a:t>
+            </a:r>
+            <a:r>
+              <a:rPr lang="es-MX" sz="2800" dirty="0" err="1" smtClean="0"/>
+              <a:t>memoría</a:t>
+            </a:r>
+            <a:r>
+              <a:rPr lang="es-MX" sz="2800" dirty="0" smtClean="0"/>
+              <a:t> que ya no pertenece al arreglo que se </a:t>
+            </a:r>
+          </a:p>
+          <a:p>
+            <a:r>
+              <a:rPr lang="es-MX" sz="2800" dirty="0" smtClean="0"/>
+              <a:t>pasó como argumento. </a:t>
+            </a:r>
+            <a:r>
+              <a:rPr lang="es-MX" sz="2800" dirty="0"/>
+              <a:t>Después de eso, se detiene la ejecución del programa </a:t>
+            </a:r>
+            <a:endParaRPr lang="es-MX" sz="2800" dirty="0" smtClean="0"/>
+          </a:p>
+          <a:p>
+            <a:r>
+              <a:rPr lang="es-MX" sz="2800" dirty="0" smtClean="0"/>
+              <a:t>(</a:t>
+            </a:r>
+            <a:r>
+              <a:rPr lang="es-MX" sz="2800" dirty="0"/>
+              <a:t>clic en el botón que tiene la equis blanca con fondo rojo</a:t>
+            </a:r>
+            <a:r>
+              <a:rPr lang="es-MX" sz="2800" dirty="0" smtClean="0"/>
+              <a:t>).                                             . </a:t>
+            </a:r>
+            <a:endParaRPr lang="es-MX" sz="2800" dirty="0"/>
+          </a:p>
+        </p:txBody>
+      </p:sp>
+      <p:pic>
+        <p:nvPicPr>
+          <p:cNvPr id="8" name="Imagen 7"/>
+          <p:cNvPicPr>
+            <a:picLocks noChangeAspect="1"/>
+          </p:cNvPicPr>
+          <p:nvPr/>
+        </p:nvPicPr>
+        <p:blipFill>
+          <a:blip r:embed="rId3"/>
+          <a:stretch>
+            <a:fillRect/>
+          </a:stretch>
+        </p:blipFill>
+        <p:spPr>
+          <a:xfrm>
+            <a:off x="3405662" y="4522645"/>
+            <a:ext cx="5520115" cy="602195"/>
           </a:xfrm>
           <a:prstGeom prst="rect">
             <a:avLst/>
@@ -6308,7 +7179,7 @@
     </p:spTree>
     <p:extLst>
       <p:ext uri="{BB962C8B-B14F-4D97-AF65-F5344CB8AC3E}">
-        <p14:creationId xmlns:p14="http://schemas.microsoft.com/office/powerpoint/2010/main" val="911517397"/>
+        <p14:creationId xmlns:p14="http://schemas.microsoft.com/office/powerpoint/2010/main" val="1686636236"/>
       </p:ext>
     </p:extLst>
   </p:cSld>
@@ -6342,32 +7213,9 @@
           <a:chExt cx="0" cy="0"/>
         </a:xfrm>
       </p:grpSpPr>
-      <p:sp>
-        <p:nvSpPr>
-          <p:cNvPr id="2" name="Título 1"/>
-          <p:cNvSpPr>
-            <a:spLocks noGrp="1"/>
-          </p:cNvSpPr>
-          <p:nvPr>
-            <p:ph type="title"/>
-          </p:nvPr>
-        </p:nvSpPr>
-        <p:spPr/>
-        <p:txBody>
-          <a:bodyPr/>
-          <a:lstStyle/>
-          <a:p>
-            <a:r>
-              <a:rPr lang="es-MX" dirty="0" smtClean="0"/>
-              <a:t>Ejemplo 12</a:t>
-            </a:r>
-            <a:endParaRPr lang="es-MX" dirty="0"/>
-          </a:p>
-        </p:txBody>
-      </p:sp>
       <p:pic>
         <p:nvPicPr>
-          <p:cNvPr id="4" name="Imagen 3"/>
+          <p:cNvPr id="2" name="Imagen 1"/>
           <p:cNvPicPr>
             <a:picLocks noChangeAspect="1"/>
           </p:cNvPicPr>
@@ -6381,8 +7229,8 @@
         </p:blipFill>
         <p:spPr>
           <a:xfrm>
-            <a:off x="3638550" y="365125"/>
-            <a:ext cx="8267088" cy="6176963"/>
+            <a:off x="1840889" y="229699"/>
+            <a:ext cx="8499528" cy="6259024"/>
           </a:xfrm>
           <a:prstGeom prst="rect">
             <a:avLst/>
@@ -6392,7 +7240,7 @@
     </p:spTree>
     <p:extLst>
       <p:ext uri="{BB962C8B-B14F-4D97-AF65-F5344CB8AC3E}">
-        <p14:creationId xmlns:p14="http://schemas.microsoft.com/office/powerpoint/2010/main" val="2668557244"/>
+        <p14:creationId xmlns:p14="http://schemas.microsoft.com/office/powerpoint/2010/main" val="3008209649"/>
       </p:ext>
     </p:extLst>
   </p:cSld>
@@ -6428,35 +7276,123 @@
       </p:grpSpPr>
       <p:sp>
         <p:nvSpPr>
-          <p:cNvPr id="2" name="Título 1"/>
-          <p:cNvSpPr>
-            <a:spLocks noGrp="1"/>
-          </p:cNvSpPr>
-          <p:nvPr>
-            <p:ph type="title"/>
-          </p:nvPr>
-        </p:nvSpPr>
-        <p:spPr>
-          <a:xfrm>
-            <a:off x="838200" y="0"/>
-            <a:ext cx="10515600" cy="1325563"/>
-          </a:xfrm>
-        </p:spPr>
-        <p:txBody>
-          <a:bodyPr/>
-          <a:lstStyle/>
-          <a:p>
-            <a:r>
-              <a:rPr lang="es-MX" dirty="0" smtClean="0"/>
-              <a:t>Lo que C considera verdadero</a:t>
-            </a:r>
-            <a:endParaRPr lang="es-MX" dirty="0"/>
+          <p:cNvPr id="6" name="CuadroTexto 5"/>
+          <p:cNvSpPr txBox="1"/>
+          <p:nvPr/>
+        </p:nvSpPr>
+        <p:spPr>
+          <a:xfrm>
+            <a:off x="773723" y="492369"/>
+            <a:ext cx="10940559" cy="2246769"/>
+          </a:xfrm>
+          <a:prstGeom prst="rect">
+            <a:avLst/>
+          </a:prstGeom>
+          <a:noFill/>
+        </p:spPr>
+        <p:txBody>
+          <a:bodyPr wrap="none" rtlCol="0">
+            <a:spAutoFit/>
+          </a:bodyPr>
+          <a:lstStyle/>
+          <a:p>
+            <a:r>
+              <a:rPr lang="es-MX" sz="2800" dirty="0"/>
+              <a:t>Entonces el problema es uno de los dos </a:t>
+            </a:r>
+            <a:r>
+              <a:rPr lang="es-MX" sz="2800" dirty="0" smtClean="0"/>
+              <a:t>siguientes: el </a:t>
+            </a:r>
+            <a:r>
+              <a:rPr lang="es-MX" sz="2800" dirty="0"/>
+              <a:t>arreglo debió ser </a:t>
+            </a:r>
+            <a:endParaRPr lang="es-MX" sz="2800" dirty="0" smtClean="0"/>
+          </a:p>
+          <a:p>
+            <a:r>
+              <a:rPr lang="es-MX" sz="2800" dirty="0" smtClean="0"/>
+              <a:t>de </a:t>
+            </a:r>
+            <a:r>
+              <a:rPr lang="es-MX" sz="2800" dirty="0"/>
+              <a:t>un tamaño más grande, o en la función </a:t>
+            </a:r>
+            <a:r>
+              <a:rPr lang="es-MX" sz="2800" dirty="0" smtClean="0"/>
+              <a:t>no </a:t>
+            </a:r>
+            <a:r>
+              <a:rPr lang="es-MX" sz="2800" dirty="0"/>
+              <a:t>se debe </a:t>
+            </a:r>
+            <a:r>
+              <a:rPr lang="es-MX" sz="2800" dirty="0" smtClean="0"/>
+              <a:t>acceder </a:t>
+            </a:r>
+            <a:r>
+              <a:rPr lang="es-MX" sz="2800" dirty="0"/>
+              <a:t>a ese </a:t>
+            </a:r>
+            <a:endParaRPr lang="es-MX" sz="2800" dirty="0" smtClean="0"/>
+          </a:p>
+          <a:p>
+            <a:r>
+              <a:rPr lang="es-MX" sz="2800" dirty="0" smtClean="0"/>
+              <a:t>índice </a:t>
+            </a:r>
+            <a:r>
+              <a:rPr lang="es-MX" sz="2800" dirty="0"/>
+              <a:t>tan elevado. En el segundo caso, la solución consiste en </a:t>
+            </a:r>
+            <a:r>
+              <a:rPr lang="es-MX" sz="2800" dirty="0" smtClean="0"/>
+              <a:t>asegurarse </a:t>
+            </a:r>
+          </a:p>
+          <a:p>
+            <a:r>
+              <a:rPr lang="es-MX" sz="2800" dirty="0" smtClean="0"/>
+              <a:t>de </a:t>
+            </a:r>
+            <a:r>
+              <a:rPr lang="es-MX" sz="2800" dirty="0"/>
+              <a:t>que no se </a:t>
+            </a:r>
+            <a:r>
+              <a:rPr lang="es-MX" sz="2800" dirty="0" smtClean="0"/>
+              <a:t>escriba </a:t>
+            </a:r>
+            <a:r>
+              <a:rPr lang="es-MX" sz="2800" dirty="0"/>
+              <a:t>en el arreglo con un índice mayor que el </a:t>
+            </a:r>
+            <a:r>
+              <a:rPr lang="es-MX" sz="2800" dirty="0" smtClean="0"/>
+              <a:t>tamaño </a:t>
+            </a:r>
+            <a:r>
+              <a:rPr lang="es-MX" sz="2800" dirty="0"/>
+              <a:t>del </a:t>
+            </a:r>
+            <a:endParaRPr lang="es-MX" sz="2800" dirty="0" smtClean="0"/>
+          </a:p>
+          <a:p>
+            <a:r>
+              <a:rPr lang="es-MX" sz="2800" dirty="0" smtClean="0"/>
+              <a:t>arreglo </a:t>
+            </a:r>
+            <a:r>
+              <a:rPr lang="es-MX" sz="2800" dirty="0"/>
+              <a:t>menos 1. Es decir, cambiando</a:t>
+            </a:r>
           </a:p>
         </p:txBody>
       </p:sp>
       <p:pic>
         <p:nvPicPr>
-          <p:cNvPr id="4" name="Imagen 3"/>
+          <p:cNvPr id="7" name="Imagen 6"/>
           <p:cNvPicPr>
             <a:picLocks noChangeAspect="1"/>
           </p:cNvPicPr>
@@ -6470,18 +7406,128 @@
         </p:blipFill>
         <p:spPr>
           <a:xfrm>
-            <a:off x="2190494" y="903410"/>
-            <a:ext cx="7811011" cy="5761160"/>
+            <a:off x="3586161" y="2739138"/>
+            <a:ext cx="5869296" cy="478847"/>
           </a:xfrm>
           <a:prstGeom prst="rect">
             <a:avLst/>
           </a:prstGeom>
         </p:spPr>
       </p:pic>
+      <p:pic>
+        <p:nvPicPr>
+          <p:cNvPr id="8" name="Imagen 7"/>
+          <p:cNvPicPr>
+            <a:picLocks noChangeAspect="1"/>
+          </p:cNvPicPr>
+          <p:nvPr/>
+        </p:nvPicPr>
+        <p:blipFill>
+          <a:blip r:embed="rId3"/>
+          <a:stretch>
+            <a:fillRect/>
+          </a:stretch>
+        </p:blipFill>
+        <p:spPr>
+          <a:xfrm>
+            <a:off x="3587625" y="3741206"/>
+            <a:ext cx="5503621" cy="464884"/>
+          </a:xfrm>
+          <a:prstGeom prst="rect">
+            <a:avLst/>
+          </a:prstGeom>
+        </p:spPr>
+      </p:pic>
+      <p:sp>
+        <p:nvSpPr>
+          <p:cNvPr id="9" name="CuadroTexto 8"/>
+          <p:cNvSpPr txBox="1"/>
+          <p:nvPr/>
+        </p:nvSpPr>
+        <p:spPr>
+          <a:xfrm>
+            <a:off x="773723" y="3217985"/>
+            <a:ext cx="756139" cy="523220"/>
+          </a:xfrm>
+          <a:prstGeom prst="rect">
+            <a:avLst/>
+          </a:prstGeom>
+          <a:noFill/>
+        </p:spPr>
+        <p:txBody>
+          <a:bodyPr wrap="square" rtlCol="0">
+            <a:spAutoFit/>
+          </a:bodyPr>
+          <a:lstStyle/>
+          <a:p>
+            <a:r>
+              <a:rPr lang="es-MX" sz="2800" dirty="0" smtClean="0"/>
+              <a:t>por</a:t>
+            </a:r>
+            <a:endParaRPr lang="es-MX" sz="2800" dirty="0"/>
+          </a:p>
+        </p:txBody>
+      </p:sp>
+      <p:sp>
+        <p:nvSpPr>
+          <p:cNvPr id="10" name="CuadroTexto 9"/>
+          <p:cNvSpPr txBox="1"/>
+          <p:nvPr/>
+        </p:nvSpPr>
+        <p:spPr>
+          <a:xfrm>
+            <a:off x="773723" y="4536831"/>
+            <a:ext cx="10845598" cy="1815882"/>
+          </a:xfrm>
+          <a:prstGeom prst="rect">
+            <a:avLst/>
+          </a:prstGeom>
+          <a:noFill/>
+        </p:spPr>
+        <p:txBody>
+          <a:bodyPr wrap="none" rtlCol="0">
+            <a:spAutoFit/>
+          </a:bodyPr>
+          <a:lstStyle/>
+          <a:p>
+            <a:r>
+              <a:rPr lang="es-MX" sz="2800" dirty="0" smtClean="0"/>
+              <a:t>Después de hacer este cambio se reconstruye el programa, se ejecuta </a:t>
+            </a:r>
+          </a:p>
+          <a:p>
+            <a:r>
+              <a:rPr lang="es-MX" sz="2800" dirty="0" smtClean="0"/>
+              <a:t>nuevamente para comprobar que esta vez el programa no se detiene en </a:t>
+            </a:r>
+          </a:p>
+          <a:p>
+            <a:r>
+              <a:rPr lang="es-MX" sz="2800" dirty="0" smtClean="0"/>
+              <a:t>el punto de ruptura en el que se detuvo antes. En la siguiente diapositiva </a:t>
+            </a:r>
+          </a:p>
+          <a:p>
+            <a:r>
+              <a:rPr lang="es-MX" sz="2800" dirty="0" smtClean="0"/>
+              <a:t>se muestra una ejecución en el </a:t>
+            </a:r>
+            <a:r>
+              <a:rPr lang="es-MX" sz="2800" dirty="0" err="1" smtClean="0"/>
+              <a:t>debugger</a:t>
+            </a:r>
+            <a:r>
+              <a:rPr lang="es-MX" sz="2800" dirty="0" smtClean="0"/>
+              <a:t> después cambio indicado.</a:t>
+            </a:r>
+            <a:endParaRPr lang="es-MX" sz="2800" dirty="0"/>
+          </a:p>
+        </p:txBody>
+      </p:sp>
     </p:spTree>
     <p:extLst>
       <p:ext uri="{BB962C8B-B14F-4D97-AF65-F5344CB8AC3E}">
-        <p14:creationId xmlns:p14="http://schemas.microsoft.com/office/powerpoint/2010/main" val="251145475"/>
+        <p14:creationId xmlns:p14="http://schemas.microsoft.com/office/powerpoint/2010/main" val="2408663960"/>
       </p:ext>
     </p:extLst>
   </p:cSld>
@@ -6515,37 +7561,9 @@
           <a:chExt cx="0" cy="0"/>
         </a:xfrm>
       </p:grpSpPr>
-      <p:sp>
-        <p:nvSpPr>
-          <p:cNvPr id="2" name="Título 1"/>
-          <p:cNvSpPr>
-            <a:spLocks noGrp="1"/>
-          </p:cNvSpPr>
-          <p:nvPr>
-            <p:ph type="title"/>
-          </p:nvPr>
-        </p:nvSpPr>
-        <p:spPr>
-          <a:xfrm>
-            <a:off x="873369" y="0"/>
-            <a:ext cx="10515600" cy="1325563"/>
-          </a:xfrm>
-        </p:spPr>
-        <p:txBody>
-          <a:bodyPr/>
-          <a:lstStyle/>
-          <a:p>
-            <a:r>
-              <a:rPr lang="es-MX" dirty="0" smtClean="0"/>
-              <a:t>Operadores de comparación</a:t>
-            </a:r>
-            <a:endParaRPr lang="es-MX" dirty="0"/>
-          </a:p>
-        </p:txBody>
-      </p:sp>
       <p:pic>
         <p:nvPicPr>
-          <p:cNvPr id="4" name="Imagen 3"/>
+          <p:cNvPr id="2" name="Imagen 1"/>
           <p:cNvPicPr>
             <a:picLocks noChangeAspect="1"/>
           </p:cNvPicPr>
@@ -6559,8 +7577,8 @@
         </p:blipFill>
         <p:spPr>
           <a:xfrm>
-            <a:off x="2236359" y="898647"/>
-            <a:ext cx="7789619" cy="5828596"/>
+            <a:off x="1949693" y="196727"/>
+            <a:ext cx="8538619" cy="6450258"/>
           </a:xfrm>
           <a:prstGeom prst="rect">
             <a:avLst/>
@@ -6570,7 +7588,7 @@
     </p:spTree>
     <p:extLst>
       <p:ext uri="{BB962C8B-B14F-4D97-AF65-F5344CB8AC3E}">
-        <p14:creationId xmlns:p14="http://schemas.microsoft.com/office/powerpoint/2010/main" val="2107777894"/>
+        <p14:creationId xmlns:p14="http://schemas.microsoft.com/office/powerpoint/2010/main" val="1342263076"/>
       </p:ext>
     </p:extLst>
   </p:cSld>
@@ -6606,60 +7624,44 @@
       </p:grpSpPr>
       <p:sp>
         <p:nvSpPr>
-          <p:cNvPr id="2" name="Título 1"/>
-          <p:cNvSpPr>
-            <a:spLocks noGrp="1"/>
-          </p:cNvSpPr>
-          <p:nvPr>
-            <p:ph type="title"/>
-          </p:nvPr>
-        </p:nvSpPr>
-        <p:spPr>
-          <a:xfrm>
-            <a:off x="838200" y="0"/>
-            <a:ext cx="10515600" cy="1325563"/>
-          </a:xfrm>
-        </p:spPr>
-        <p:txBody>
-          <a:bodyPr/>
-          <a:lstStyle/>
-          <a:p>
-            <a:r>
-              <a:rPr lang="es-MX" dirty="0" smtClean="0"/>
-              <a:t>Operadores lógicos</a:t>
-            </a:r>
-            <a:endParaRPr lang="es-MX" dirty="0"/>
-          </a:p>
-        </p:txBody>
-      </p:sp>
-      <p:pic>
-        <p:nvPicPr>
-          <p:cNvPr id="4" name="Imagen 3"/>
-          <p:cNvPicPr>
-            <a:picLocks noChangeAspect="1"/>
-          </p:cNvPicPr>
+          <p:cNvPr id="2" name="CuadroTexto 1"/>
+          <p:cNvSpPr txBox="1"/>
           <p:nvPr/>
-        </p:nvPicPr>
-        <p:blipFill>
-          <a:blip r:embed="rId2"/>
-          <a:stretch>
-            <a:fillRect/>
-          </a:stretch>
-        </p:blipFill>
-        <p:spPr>
-          <a:xfrm>
-            <a:off x="2209983" y="890587"/>
-            <a:ext cx="7772034" cy="5793698"/>
+        </p:nvSpPr>
+        <p:spPr>
+          <a:xfrm>
+            <a:off x="668215" y="720969"/>
+            <a:ext cx="10462736" cy="954107"/>
           </a:xfrm>
           <a:prstGeom prst="rect">
             <a:avLst/>
           </a:prstGeom>
-        </p:spPr>
-      </p:pic>
+          <a:noFill/>
+        </p:spPr>
+        <p:txBody>
+          <a:bodyPr wrap="none" rtlCol="0">
+            <a:spAutoFit/>
+          </a:bodyPr>
+          <a:lstStyle/>
+          <a:p>
+            <a:r>
+              <a:rPr lang="es-MX" sz="2800" dirty="0" smtClean="0"/>
+              <a:t>Como el programa se detiene hasta el segundo punto de ruptura, esto </a:t>
+            </a:r>
+          </a:p>
+          <a:p>
+            <a:r>
+              <a:rPr lang="es-MX" sz="2800" dirty="0" smtClean="0"/>
+              <a:t>significa que el error que tenía el programa ha sido corregido.</a:t>
+            </a:r>
+            <a:endParaRPr lang="es-MX" sz="2800" dirty="0"/>
+          </a:p>
+        </p:txBody>
+      </p:sp>
     </p:spTree>
     <p:extLst>
       <p:ext uri="{BB962C8B-B14F-4D97-AF65-F5344CB8AC3E}">
-        <p14:creationId xmlns:p14="http://schemas.microsoft.com/office/powerpoint/2010/main" val="3561968636"/>
+        <p14:creationId xmlns:p14="http://schemas.microsoft.com/office/powerpoint/2010/main" val="3914779750"/>
       </p:ext>
     </p:extLst>
   </p:cSld>
@@ -6703,52 +7705,87 @@
             <p:ph type="title"/>
           </p:nvPr>
         </p:nvSpPr>
-        <p:spPr>
-          <a:xfrm>
-            <a:off x="838200" y="0"/>
-            <a:ext cx="10515600" cy="1325563"/>
-          </a:xfrm>
-        </p:spPr>
+        <p:spPr/>
         <p:txBody>
           <a:bodyPr/>
           <a:lstStyle/>
           <a:p>
             <a:r>
               <a:rPr lang="es-MX" dirty="0" smtClean="0"/>
-              <a:t>C garantiza acerca de operadores lógicos</a:t>
+              <a:t>1.4 Operadores</a:t>
             </a:r>
             <a:endParaRPr lang="es-MX" dirty="0"/>
           </a:p>
         </p:txBody>
       </p:sp>
-      <p:pic>
-        <p:nvPicPr>
-          <p:cNvPr id="4" name="Imagen 3"/>
-          <p:cNvPicPr>
-            <a:picLocks noChangeAspect="1"/>
-          </p:cNvPicPr>
+      <p:sp>
+        <p:nvSpPr>
+          <p:cNvPr id="3" name="CuadroTexto 2"/>
+          <p:cNvSpPr txBox="1"/>
           <p:nvPr/>
-        </p:nvPicPr>
-        <p:blipFill>
-          <a:blip r:embed="rId2"/>
-          <a:stretch>
-            <a:fillRect/>
-          </a:stretch>
-        </p:blipFill>
-        <p:spPr>
-          <a:xfrm>
-            <a:off x="2268408" y="927222"/>
-            <a:ext cx="7655184" cy="5719763"/>
+        </p:nvSpPr>
+        <p:spPr>
+          <a:xfrm>
+            <a:off x="838200" y="1828800"/>
+            <a:ext cx="10376559" cy="1815882"/>
           </a:xfrm>
           <a:prstGeom prst="rect">
             <a:avLst/>
           </a:prstGeom>
-        </p:spPr>
-      </p:pic>
+          <a:noFill/>
+        </p:spPr>
+        <p:txBody>
+          <a:bodyPr wrap="none" rtlCol="0">
+            <a:spAutoFit/>
+          </a:bodyPr>
+          <a:lstStyle/>
+          <a:p>
+            <a:r>
+              <a:rPr lang="es-MX" sz="2800" dirty="0" smtClean="0"/>
+              <a:t>Los operadores son caracteres que se utilizan en el lenguaje C para </a:t>
+            </a:r>
+          </a:p>
+          <a:p>
+            <a:r>
+              <a:rPr lang="es-MX" sz="2800" dirty="0" smtClean="0"/>
+              <a:t>indicar que se deben realizar distintos tipos de operaciones con el </a:t>
+            </a:r>
+          </a:p>
+          <a:p>
+            <a:r>
+              <a:rPr lang="es-MX" sz="2800" dirty="0" smtClean="0"/>
+              <a:t>operando o los </a:t>
+            </a:r>
+            <a:r>
+              <a:rPr lang="es-MX" sz="2800" dirty="0" err="1" smtClean="0"/>
+              <a:t>operandos</a:t>
+            </a:r>
+            <a:r>
+              <a:rPr lang="es-MX" sz="2800" dirty="0" smtClean="0"/>
+              <a:t> que se requieren para realizar la operación </a:t>
+            </a:r>
+          </a:p>
+          <a:p>
+            <a:r>
+              <a:rPr lang="es-MX" sz="2800" dirty="0" smtClean="0"/>
+              <a:t>indicada por el </a:t>
+            </a:r>
+            <a:r>
+              <a:rPr lang="es-MX" sz="2800" dirty="0" err="1" smtClean="0"/>
+              <a:t>caracter</a:t>
+            </a:r>
+            <a:r>
+              <a:rPr lang="es-MX" sz="2800" dirty="0" smtClean="0"/>
+              <a:t>.</a:t>
+            </a:r>
+            <a:endParaRPr lang="es-MX" sz="2800" dirty="0"/>
+          </a:p>
+        </p:txBody>
+      </p:sp>
     </p:spTree>
     <p:extLst>
       <p:ext uri="{BB962C8B-B14F-4D97-AF65-F5344CB8AC3E}">
-        <p14:creationId xmlns:p14="http://schemas.microsoft.com/office/powerpoint/2010/main" val="1967615130"/>
+        <p14:creationId xmlns:p14="http://schemas.microsoft.com/office/powerpoint/2010/main" val="2819403610"/>
       </p:ext>
     </p:extLst>
   </p:cSld>
@@ -6794,7 +7831,7 @@
         </p:nvSpPr>
         <p:spPr>
           <a:xfrm>
-            <a:off x="838200" y="0"/>
+            <a:off x="820616" y="0"/>
             <a:ext cx="10515600" cy="1325563"/>
           </a:xfrm>
         </p:spPr>
@@ -6804,7 +7841,7 @@
           <a:p>
             <a:r>
               <a:rPr lang="es-MX" dirty="0" smtClean="0"/>
-              <a:t>¡Advertencia!</a:t>
+              <a:t>Operadores</a:t>
             </a:r>
             <a:endParaRPr lang="es-MX" dirty="0"/>
           </a:p>
@@ -6826,8 +7863,8 @@
         </p:blipFill>
         <p:spPr>
           <a:xfrm>
-            <a:off x="2273910" y="927222"/>
-            <a:ext cx="7644179" cy="5663544"/>
+            <a:off x="2201111" y="881062"/>
+            <a:ext cx="7754609" cy="5818676"/>
           </a:xfrm>
           <a:prstGeom prst="rect">
             <a:avLst/>
@@ -6837,7 +7874,7 @@
     </p:spTree>
     <p:extLst>
       <p:ext uri="{BB962C8B-B14F-4D97-AF65-F5344CB8AC3E}">
-        <p14:creationId xmlns:p14="http://schemas.microsoft.com/office/powerpoint/2010/main" val="3614953978"/>
+        <p14:creationId xmlns:p14="http://schemas.microsoft.com/office/powerpoint/2010/main" val="161607695"/>
       </p:ext>
     </p:extLst>
   </p:cSld>
@@ -6883,7 +7920,7 @@
         </p:nvSpPr>
         <p:spPr>
           <a:xfrm>
-            <a:off x="803031" y="0"/>
+            <a:off x="873370" y="0"/>
             <a:ext cx="10515600" cy="1325563"/>
           </a:xfrm>
         </p:spPr>
@@ -6893,7 +7930,7 @@
           <a:p>
             <a:r>
               <a:rPr lang="es-MX" dirty="0" smtClean="0"/>
-              <a:t>Operadores a nivel de bits</a:t>
+              <a:t>Operadores aritméticos</a:t>
             </a:r>
             <a:endParaRPr lang="es-MX" dirty="0"/>
           </a:p>
@@ -6915,8 +7952,8 @@
         </p:blipFill>
         <p:spPr>
           <a:xfrm>
-            <a:off x="2190017" y="881062"/>
-            <a:ext cx="7741627" cy="5784596"/>
+            <a:off x="2272995" y="908172"/>
+            <a:ext cx="7716350" cy="5817277"/>
           </a:xfrm>
           <a:prstGeom prst="rect">
             <a:avLst/>
@@ -6926,7 +7963,7 @@
     </p:spTree>
     <p:extLst>
       <p:ext uri="{BB962C8B-B14F-4D97-AF65-F5344CB8AC3E}">
-        <p14:creationId xmlns:p14="http://schemas.microsoft.com/office/powerpoint/2010/main" val="477038070"/>
+        <p14:creationId xmlns:p14="http://schemas.microsoft.com/office/powerpoint/2010/main" val="293310529"/>
       </p:ext>
     </p:extLst>
   </p:cSld>
@@ -6970,19 +8007,14 @@
             <p:ph type="title"/>
           </p:nvPr>
         </p:nvSpPr>
-        <p:spPr>
-          <a:xfrm>
-            <a:off x="855785" y="0"/>
-            <a:ext cx="10515600" cy="1325563"/>
-          </a:xfrm>
-        </p:spPr>
+        <p:spPr/>
         <p:txBody>
           <a:bodyPr/>
           <a:lstStyle/>
           <a:p>
             <a:r>
               <a:rPr lang="es-MX" dirty="0" smtClean="0"/>
-              <a:t>Ejemplo 13</a:t>
+              <a:t>Ejemplo 10</a:t>
             </a:r>
             <a:endParaRPr lang="es-MX" dirty="0"/>
           </a:p>
@@ -7004,8 +8036,8 @@
         </p:blipFill>
         <p:spPr>
           <a:xfrm>
-            <a:off x="2265118" y="895350"/>
-            <a:ext cx="7696933" cy="5734970"/>
+            <a:off x="3707789" y="365125"/>
+            <a:ext cx="8324392" cy="6252125"/>
           </a:xfrm>
           <a:prstGeom prst="rect">
             <a:avLst/>
@@ -7015,7 +8047,7 @@
     </p:spTree>
     <p:extLst>
       <p:ext uri="{BB962C8B-B14F-4D97-AF65-F5344CB8AC3E}">
-        <p14:creationId xmlns:p14="http://schemas.microsoft.com/office/powerpoint/2010/main" val="3455828418"/>
+        <p14:creationId xmlns:p14="http://schemas.microsoft.com/office/powerpoint/2010/main" val="1303097161"/>
       </p:ext>
     </p:extLst>
   </p:cSld>
@@ -7143,19 +8175,14 @@
             <p:ph type="title"/>
           </p:nvPr>
         </p:nvSpPr>
-        <p:spPr>
-          <a:xfrm>
-            <a:off x="838200" y="0"/>
-            <a:ext cx="10515600" cy="1325563"/>
-          </a:xfrm>
-        </p:spPr>
+        <p:spPr/>
         <p:txBody>
           <a:bodyPr/>
           <a:lstStyle/>
           <a:p>
             <a:r>
               <a:rPr lang="es-MX" dirty="0" smtClean="0"/>
-              <a:t>Operador de asignación</a:t>
+              <a:t>Ejemplo 11</a:t>
             </a:r>
             <a:endParaRPr lang="es-MX" dirty="0"/>
           </a:p>
@@ -7177,8 +8204,8 @@
         </p:blipFill>
         <p:spPr>
           <a:xfrm>
-            <a:off x="2145323" y="900112"/>
-            <a:ext cx="7901354" cy="5827249"/>
+            <a:off x="3632322" y="365125"/>
+            <a:ext cx="8435398" cy="6246690"/>
           </a:xfrm>
           <a:prstGeom prst="rect">
             <a:avLst/>
@@ -7188,7 +8215,7 @@
     </p:spTree>
     <p:extLst>
       <p:ext uri="{BB962C8B-B14F-4D97-AF65-F5344CB8AC3E}">
-        <p14:creationId xmlns:p14="http://schemas.microsoft.com/office/powerpoint/2010/main" val="1513684798"/>
+        <p14:creationId xmlns:p14="http://schemas.microsoft.com/office/powerpoint/2010/main" val="1344731743"/>
       </p:ext>
     </p:extLst>
   </p:cSld>
@@ -7234,7 +8261,7 @@
         </p:nvSpPr>
         <p:spPr>
           <a:xfrm>
-            <a:off x="855785" y="0"/>
+            <a:off x="838199" y="0"/>
             <a:ext cx="10515600" cy="1325563"/>
           </a:xfrm>
         </p:spPr>
@@ -7244,7 +8271,7 @@
           <a:p>
             <a:r>
               <a:rPr lang="es-MX" dirty="0" smtClean="0"/>
-              <a:t>Advertencia</a:t>
+              <a:t>Operadores unarios</a:t>
             </a:r>
             <a:endParaRPr lang="es-MX" dirty="0"/>
           </a:p>
@@ -7266,8 +8293,8 @@
         </p:blipFill>
         <p:spPr>
           <a:xfrm>
-            <a:off x="2187859" y="909637"/>
-            <a:ext cx="7851452" cy="5825271"/>
+            <a:off x="2176027" y="873003"/>
+            <a:ext cx="7839943" cy="5844321"/>
           </a:xfrm>
           <a:prstGeom prst="rect">
             <a:avLst/>
@@ -7277,7 +8304,7 @@
     </p:spTree>
     <p:extLst>
       <p:ext uri="{BB962C8B-B14F-4D97-AF65-F5344CB8AC3E}">
-        <p14:creationId xmlns:p14="http://schemas.microsoft.com/office/powerpoint/2010/main" val="691769439"/>
+        <p14:creationId xmlns:p14="http://schemas.microsoft.com/office/powerpoint/2010/main" val="911517397"/>
       </p:ext>
     </p:extLst>
   </p:cSld>
@@ -7321,19 +8348,14 @@
             <p:ph type="title"/>
           </p:nvPr>
         </p:nvSpPr>
-        <p:spPr>
-          <a:xfrm>
-            <a:off x="838200" y="0"/>
-            <a:ext cx="10515600" cy="1325563"/>
-          </a:xfrm>
-        </p:spPr>
+        <p:spPr/>
         <p:txBody>
           <a:bodyPr/>
           <a:lstStyle/>
           <a:p>
             <a:r>
               <a:rPr lang="es-MX" dirty="0" smtClean="0"/>
-              <a:t>Otros operadores de asignación</a:t>
+              <a:t>Ejemplo 12</a:t>
             </a:r>
             <a:endParaRPr lang="es-MX" dirty="0"/>
           </a:p>
@@ -7355,8 +8377,8 @@
         </p:blipFill>
         <p:spPr>
           <a:xfrm>
-            <a:off x="2221791" y="904875"/>
-            <a:ext cx="7748418" cy="5759694"/>
+            <a:off x="3638550" y="365125"/>
+            <a:ext cx="8267088" cy="6176963"/>
           </a:xfrm>
           <a:prstGeom prst="rect">
             <a:avLst/>
@@ -7366,7 +8388,7 @@
     </p:spTree>
     <p:extLst>
       <p:ext uri="{BB962C8B-B14F-4D97-AF65-F5344CB8AC3E}">
-        <p14:creationId xmlns:p14="http://schemas.microsoft.com/office/powerpoint/2010/main" val="1444130431"/>
+        <p14:creationId xmlns:p14="http://schemas.microsoft.com/office/powerpoint/2010/main" val="2668557244"/>
       </p:ext>
     </p:extLst>
   </p:cSld>
@@ -7412,7 +8434,7 @@
         </p:nvSpPr>
         <p:spPr>
           <a:xfrm>
-            <a:off x="803031" y="0"/>
+            <a:off x="838200" y="0"/>
             <a:ext cx="10515600" cy="1325563"/>
           </a:xfrm>
         </p:spPr>
@@ -7422,22 +8444,7 @@
           <a:p>
             <a:r>
               <a:rPr lang="es-MX" dirty="0" smtClean="0"/>
-              <a:t>Operador </a:t>
-            </a:r>
-            <a:r>
-              <a:rPr lang="es-MX" dirty="0" err="1" smtClean="0"/>
-              <a:t>sizeof</a:t>
-            </a:r>
-            <a:r>
-              <a:rPr lang="es-MX" dirty="0" smtClean="0"/>
-              <a:t/>
-            </a:r>
-            <a:br>
-              <a:rPr lang="es-MX" dirty="0" smtClean="0"/>
-            </a:br>
-            <a:r>
-              <a:rPr lang="es-MX" dirty="0" smtClean="0"/>
-              <a:t>Ejemplo 14</a:t>
+              <a:t>Lo que C considera verdadero</a:t>
             </a:r>
             <a:endParaRPr lang="es-MX" dirty="0"/>
           </a:p>
@@ -7459,8 +8466,8 @@
         </p:blipFill>
         <p:spPr>
           <a:xfrm>
-            <a:off x="3884536" y="580292"/>
-            <a:ext cx="8068584" cy="6031523"/>
+            <a:off x="2190494" y="903410"/>
+            <a:ext cx="7811011" cy="5761160"/>
           </a:xfrm>
           <a:prstGeom prst="rect">
             <a:avLst/>
@@ -7470,7 +8477,7 @@
     </p:spTree>
     <p:extLst>
       <p:ext uri="{BB962C8B-B14F-4D97-AF65-F5344CB8AC3E}">
-        <p14:creationId xmlns:p14="http://schemas.microsoft.com/office/powerpoint/2010/main" val="135402980"/>
+        <p14:creationId xmlns:p14="http://schemas.microsoft.com/office/powerpoint/2010/main" val="251145475"/>
       </p:ext>
     </p:extLst>
   </p:cSld>
@@ -7516,7 +8523,7 @@
         </p:nvSpPr>
         <p:spPr>
           <a:xfrm>
-            <a:off x="855784" y="0"/>
+            <a:off x="873369" y="0"/>
             <a:ext cx="10515600" cy="1325563"/>
           </a:xfrm>
         </p:spPr>
@@ -7526,7 +8533,7 @@
           <a:p>
             <a:r>
               <a:rPr lang="es-MX" dirty="0" smtClean="0"/>
-              <a:t>Operador de expresión condicional</a:t>
+              <a:t>Operadores de comparación</a:t>
             </a:r>
             <a:endParaRPr lang="es-MX" dirty="0"/>
           </a:p>
@@ -7548,8 +8555,8 @@
         </p:blipFill>
         <p:spPr>
           <a:xfrm>
-            <a:off x="2278672" y="992800"/>
-            <a:ext cx="7548565" cy="5619016"/>
+            <a:off x="2236359" y="898647"/>
+            <a:ext cx="7789619" cy="5828596"/>
           </a:xfrm>
           <a:prstGeom prst="rect">
             <a:avLst/>
@@ -7559,7 +8566,7 @@
     </p:spTree>
     <p:extLst>
       <p:ext uri="{BB962C8B-B14F-4D97-AF65-F5344CB8AC3E}">
-        <p14:creationId xmlns:p14="http://schemas.microsoft.com/office/powerpoint/2010/main" val="4118392104"/>
+        <p14:creationId xmlns:p14="http://schemas.microsoft.com/office/powerpoint/2010/main" val="2107777894"/>
       </p:ext>
     </p:extLst>
   </p:cSld>
@@ -7615,7 +8622,7 @@
           <a:p>
             <a:r>
               <a:rPr lang="es-MX" dirty="0" smtClean="0"/>
-              <a:t>Precedencia de operadores</a:t>
+              <a:t>Operadores lógicos</a:t>
             </a:r>
             <a:endParaRPr lang="es-MX" dirty="0"/>
           </a:p>
@@ -7637,8 +8644,8 @@
         </p:blipFill>
         <p:spPr>
           <a:xfrm>
-            <a:off x="2226652" y="927221"/>
-            <a:ext cx="7738696" cy="5782161"/>
+            <a:off x="2209983" y="890587"/>
+            <a:ext cx="7772034" cy="5793698"/>
           </a:xfrm>
           <a:prstGeom prst="rect">
             <a:avLst/>
@@ -7648,7 +8655,7 @@
     </p:spTree>
     <p:extLst>
       <p:ext uri="{BB962C8B-B14F-4D97-AF65-F5344CB8AC3E}">
-        <p14:creationId xmlns:p14="http://schemas.microsoft.com/office/powerpoint/2010/main" val="1368531182"/>
+        <p14:creationId xmlns:p14="http://schemas.microsoft.com/office/powerpoint/2010/main" val="3561968636"/>
       </p:ext>
     </p:extLst>
   </p:cSld>
@@ -7694,7 +8701,7 @@
         </p:nvSpPr>
         <p:spPr>
           <a:xfrm>
-            <a:off x="855784" y="0"/>
+            <a:off x="838200" y="0"/>
             <a:ext cx="10515600" cy="1325563"/>
           </a:xfrm>
         </p:spPr>
@@ -7703,12 +8710,8 @@
           <a:lstStyle/>
           <a:p>
             <a:r>
-              <a:rPr lang="es-MX" dirty="0" err="1" smtClean="0"/>
-              <a:t>Asociatividad</a:t>
-            </a:r>
-            <a:r>
               <a:rPr lang="es-MX" dirty="0" smtClean="0"/>
-              <a:t> de operadores</a:t>
+              <a:t>C garantiza acerca de operadores lógicos</a:t>
             </a:r>
             <a:endParaRPr lang="es-MX" dirty="0"/>
           </a:p>
@@ -7730,8 +8733,8 @@
         </p:blipFill>
         <p:spPr>
           <a:xfrm>
-            <a:off x="2261088" y="935281"/>
-            <a:ext cx="7704992" cy="5746279"/>
+            <a:off x="2268408" y="927222"/>
+            <a:ext cx="7655184" cy="5719763"/>
           </a:xfrm>
           <a:prstGeom prst="rect">
             <a:avLst/>
@@ -7741,7 +8744,7 @@
     </p:spTree>
     <p:extLst>
       <p:ext uri="{BB962C8B-B14F-4D97-AF65-F5344CB8AC3E}">
-        <p14:creationId xmlns:p14="http://schemas.microsoft.com/office/powerpoint/2010/main" val="2468331318"/>
+        <p14:creationId xmlns:p14="http://schemas.microsoft.com/office/powerpoint/2010/main" val="1967615130"/>
       </p:ext>
     </p:extLst>
   </p:cSld>
@@ -7787,7 +8790,7 @@
         </p:nvSpPr>
         <p:spPr>
           <a:xfrm>
-            <a:off x="803031" y="0"/>
+            <a:off x="838200" y="0"/>
             <a:ext cx="10515600" cy="1325563"/>
           </a:xfrm>
         </p:spPr>
@@ -7797,11 +8800,7 @@
           <a:p>
             <a:r>
               <a:rPr lang="es-MX" dirty="0" smtClean="0"/>
-              <a:t>Tabla de precedencia/</a:t>
-            </a:r>
-            <a:r>
-              <a:rPr lang="es-MX" dirty="0" err="1" smtClean="0"/>
-              <a:t>asociatividad</a:t>
+              <a:t>¡Advertencia!</a:t>
             </a:r>
             <a:endParaRPr lang="es-MX" dirty="0"/>
           </a:p>
@@ -7823,8 +8822,8 @@
         </p:blipFill>
         <p:spPr>
           <a:xfrm>
-            <a:off x="2172616" y="871537"/>
-            <a:ext cx="7776430" cy="5744076"/>
+            <a:off x="2273910" y="927222"/>
+            <a:ext cx="7644179" cy="5663544"/>
           </a:xfrm>
           <a:prstGeom prst="rect">
             <a:avLst/>
@@ -7834,7 +8833,7 @@
     </p:spTree>
     <p:extLst>
       <p:ext uri="{BB962C8B-B14F-4D97-AF65-F5344CB8AC3E}">
-        <p14:creationId xmlns:p14="http://schemas.microsoft.com/office/powerpoint/2010/main" val="4090534920"/>
+        <p14:creationId xmlns:p14="http://schemas.microsoft.com/office/powerpoint/2010/main" val="3614953978"/>
       </p:ext>
     </p:extLst>
   </p:cSld>
@@ -7880,7 +8879,7 @@
         </p:nvSpPr>
         <p:spPr>
           <a:xfrm>
-            <a:off x="838200" y="0"/>
+            <a:off x="803031" y="0"/>
             <a:ext cx="10515600" cy="1325563"/>
           </a:xfrm>
         </p:spPr>
@@ -7890,14 +8889,7 @@
           <a:p>
             <a:r>
               <a:rPr lang="es-MX" dirty="0" smtClean="0"/>
-              <a:t>Repaso</a:t>
-            </a:r>
-            <a:br>
-              <a:rPr lang="es-MX" dirty="0" smtClean="0"/>
-            </a:br>
-            <a:r>
-              <a:rPr lang="es-MX" dirty="0" smtClean="0"/>
-              <a:t>Ejemplo 15</a:t>
+              <a:t>Operadores a nivel de bits</a:t>
             </a:r>
             <a:endParaRPr lang="es-MX" dirty="0"/>
           </a:p>
@@ -7919,8 +8911,8 @@
         </p:blipFill>
         <p:spPr>
           <a:xfrm>
-            <a:off x="3473452" y="228600"/>
-            <a:ext cx="8539491" cy="6348046"/>
+            <a:off x="2190017" y="881062"/>
+            <a:ext cx="7741627" cy="5784596"/>
           </a:xfrm>
           <a:prstGeom prst="rect">
             <a:avLst/>
@@ -7930,7 +8922,7 @@
     </p:spTree>
     <p:extLst>
       <p:ext uri="{BB962C8B-B14F-4D97-AF65-F5344CB8AC3E}">
-        <p14:creationId xmlns:p14="http://schemas.microsoft.com/office/powerpoint/2010/main" val="2961611085"/>
+        <p14:creationId xmlns:p14="http://schemas.microsoft.com/office/powerpoint/2010/main" val="477038070"/>
       </p:ext>
     </p:extLst>
   </p:cSld>
@@ -7974,19 +8966,52 @@
             <p:ph type="title"/>
           </p:nvPr>
         </p:nvSpPr>
-        <p:spPr/>
+        <p:spPr>
+          <a:xfrm>
+            <a:off x="855785" y="0"/>
+            <a:ext cx="10515600" cy="1325563"/>
+          </a:xfrm>
+        </p:spPr>
         <p:txBody>
           <a:bodyPr/>
           <a:lstStyle/>
           <a:p>
-            <a:endParaRPr lang="es-MX"/>
-          </a:p>
-        </p:txBody>
-      </p:sp>
+            <a:r>
+              <a:rPr lang="es-MX" dirty="0" smtClean="0"/>
+              <a:t>Ejemplo 13</a:t>
+            </a:r>
+            <a:endParaRPr lang="es-MX" dirty="0"/>
+          </a:p>
+        </p:txBody>
+      </p:sp>
+      <p:pic>
+        <p:nvPicPr>
+          <p:cNvPr id="4" name="Imagen 3"/>
+          <p:cNvPicPr>
+            <a:picLocks noChangeAspect="1"/>
+          </p:cNvPicPr>
+          <p:nvPr/>
+        </p:nvPicPr>
+        <p:blipFill>
+          <a:blip r:embed="rId2"/>
+          <a:stretch>
+            <a:fillRect/>
+          </a:stretch>
+        </p:blipFill>
+        <p:spPr>
+          <a:xfrm>
+            <a:off x="2265118" y="895350"/>
+            <a:ext cx="7696933" cy="5734970"/>
+          </a:xfrm>
+          <a:prstGeom prst="rect">
+            <a:avLst/>
+          </a:prstGeom>
+        </p:spPr>
+      </p:pic>
     </p:spTree>
     <p:extLst>
       <p:ext uri="{BB962C8B-B14F-4D97-AF65-F5344CB8AC3E}">
-        <p14:creationId xmlns:p14="http://schemas.microsoft.com/office/powerpoint/2010/main" val="1131222556"/>
+        <p14:creationId xmlns:p14="http://schemas.microsoft.com/office/powerpoint/2010/main" val="3455828418"/>
       </p:ext>
     </p:extLst>
   </p:cSld>
@@ -8118,166 +9143,1414 @@
             <p:ph type="title"/>
           </p:nvPr>
         </p:nvSpPr>
-        <p:spPr/>
+        <p:spPr>
+          <a:xfrm>
+            <a:off x="838200" y="0"/>
+            <a:ext cx="10515600" cy="1325563"/>
+          </a:xfrm>
+        </p:spPr>
         <p:txBody>
           <a:bodyPr/>
           <a:lstStyle/>
           <a:p>
             <a:r>
               <a:rPr lang="es-MX" dirty="0" smtClean="0"/>
-              <a:t>REFERENCIAS</a:t>
+              <a:t>Operador de asignación</a:t>
             </a:r>
             <a:endParaRPr lang="es-MX" dirty="0"/>
           </a:p>
         </p:txBody>
       </p:sp>
-      <p:sp>
-        <p:nvSpPr>
-          <p:cNvPr id="3" name="Marcador de contenido 2"/>
-          <p:cNvSpPr>
-            <a:spLocks noGrp="1"/>
-          </p:cNvSpPr>
-          <p:nvPr>
-            <p:ph idx="1"/>
-          </p:nvPr>
-        </p:nvSpPr>
-        <p:spPr/>
-        <p:txBody>
-          <a:bodyPr/>
-          <a:lstStyle/>
-          <a:p>
-            <a:r>
-              <a:rPr lang="es-MX" dirty="0" smtClean="0"/>
-              <a:t>Bonet </a:t>
-            </a:r>
-            <a:r>
-              <a:rPr lang="es-MX" dirty="0"/>
-              <a:t>Esteban, E. V., Lenguaje </a:t>
-            </a:r>
-            <a:r>
-              <a:rPr lang="es-MX" dirty="0" smtClean="0"/>
-              <a:t>C, </a:t>
-            </a:r>
-            <a:r>
-              <a:rPr lang="es-MX" dirty="0">
-                <a:hlinkClick r:id="rId2"/>
-              </a:rPr>
-              <a:t>https://</a:t>
-            </a:r>
-            <a:r>
-              <a:rPr lang="es-MX" dirty="0" smtClean="0">
-                <a:hlinkClick r:id="rId2"/>
-              </a:rPr>
-              <a:t>informatica.uv.es/estguia/ATD/apuntes/laboratorio/Lenguaje-C.pdf</a:t>
-            </a:r>
-            <a:r>
-              <a:rPr lang="es-MX" dirty="0" smtClean="0"/>
-              <a:t>, (consultado: Febrero de 2021).</a:t>
-            </a:r>
-          </a:p>
-          <a:p>
-            <a:r>
-              <a:rPr lang="es-MX" dirty="0" err="1"/>
-              <a:t>Cheltenham</a:t>
-            </a:r>
-            <a:r>
-              <a:rPr lang="es-MX" dirty="0"/>
-              <a:t> </a:t>
-            </a:r>
-            <a:r>
-              <a:rPr lang="es-MX" dirty="0" err="1"/>
-              <a:t>Computer</a:t>
-            </a:r>
-            <a:r>
-              <a:rPr lang="es-MX" dirty="0"/>
-              <a:t> Training, C </a:t>
-            </a:r>
-            <a:r>
-              <a:rPr lang="es-MX" dirty="0" err="1"/>
-              <a:t>Programming</a:t>
-            </a:r>
-            <a:r>
-              <a:rPr lang="es-MX" dirty="0"/>
-              <a:t>, 1998</a:t>
-            </a:r>
-            <a:r>
-              <a:rPr lang="es-MX" dirty="0" smtClean="0"/>
-              <a:t>.</a:t>
-            </a:r>
-          </a:p>
-          <a:p>
-            <a:r>
-              <a:rPr lang="es-MX" dirty="0" err="1" smtClean="0"/>
-              <a:t>Zirkhov</a:t>
-            </a:r>
-            <a:r>
-              <a:rPr lang="es-MX" dirty="0" smtClean="0"/>
-              <a:t>, Igor, </a:t>
-            </a:r>
-            <a:r>
-              <a:rPr lang="es-MX" dirty="0" err="1" smtClean="0"/>
-              <a:t>Low</a:t>
-            </a:r>
-            <a:r>
-              <a:rPr lang="es-MX" dirty="0" smtClean="0"/>
-              <a:t> </a:t>
-            </a:r>
-            <a:r>
-              <a:rPr lang="es-MX" dirty="0" err="1" smtClean="0"/>
-              <a:t>Level</a:t>
-            </a:r>
-            <a:r>
-              <a:rPr lang="es-MX" dirty="0" smtClean="0"/>
-              <a:t> </a:t>
-            </a:r>
-            <a:r>
-              <a:rPr lang="es-MX" dirty="0" err="1" smtClean="0"/>
-              <a:t>Programming</a:t>
-            </a:r>
-            <a:r>
-              <a:rPr lang="es-MX" dirty="0" smtClean="0"/>
-              <a:t>, C, </a:t>
-            </a:r>
-            <a:r>
-              <a:rPr lang="es-MX" dirty="0" err="1" smtClean="0"/>
-              <a:t>Assembly</a:t>
-            </a:r>
-            <a:r>
-              <a:rPr lang="es-MX" dirty="0" smtClean="0"/>
-              <a:t>, and </a:t>
-            </a:r>
-            <a:r>
-              <a:rPr lang="es-MX" dirty="0" err="1" smtClean="0"/>
-              <a:t>Program</a:t>
-            </a:r>
-            <a:r>
-              <a:rPr lang="es-MX" dirty="0" smtClean="0"/>
-              <a:t> </a:t>
-            </a:r>
-            <a:r>
-              <a:rPr lang="es-MX" dirty="0" err="1" smtClean="0"/>
-              <a:t>Execution</a:t>
-            </a:r>
-            <a:r>
-              <a:rPr lang="es-MX" dirty="0" smtClean="0"/>
-              <a:t>, </a:t>
-            </a:r>
-            <a:r>
-              <a:rPr lang="es-MX" dirty="0" err="1" smtClean="0"/>
-              <a:t>Apress</a:t>
-            </a:r>
-            <a:r>
-              <a:rPr lang="es-MX" dirty="0" smtClean="0"/>
-              <a:t>, 2017.</a:t>
-            </a:r>
-            <a:endParaRPr lang="es-MX" dirty="0"/>
-          </a:p>
-        </p:txBody>
-      </p:sp>
+      <p:pic>
+        <p:nvPicPr>
+          <p:cNvPr id="4" name="Imagen 3"/>
+          <p:cNvPicPr>
+            <a:picLocks noChangeAspect="1"/>
+          </p:cNvPicPr>
+          <p:nvPr/>
+        </p:nvPicPr>
+        <p:blipFill>
+          <a:blip r:embed="rId2"/>
+          <a:stretch>
+            <a:fillRect/>
+          </a:stretch>
+        </p:blipFill>
+        <p:spPr>
+          <a:xfrm>
+            <a:off x="2145323" y="900112"/>
+            <a:ext cx="7901354" cy="5827249"/>
+          </a:xfrm>
+          <a:prstGeom prst="rect">
+            <a:avLst/>
+          </a:prstGeom>
+        </p:spPr>
+      </p:pic>
     </p:spTree>
     <p:extLst>
       <p:ext uri="{BB962C8B-B14F-4D97-AF65-F5344CB8AC3E}">
-        <p14:creationId xmlns:p14="http://schemas.microsoft.com/office/powerpoint/2010/main" val="1501518000"/>
+        <p14:creationId xmlns:p14="http://schemas.microsoft.com/office/powerpoint/2010/main" val="1513684798"/>
+      </p:ext>
+    </p:extLst>
+  </p:cSld>
+  <p:clrMapOvr>
+    <a:masterClrMapping/>
+  </p:clrMapOvr>
+  <p:timing>
+    <p:tnLst>
+      <p:par>
+        <p:cTn id="1" dur="indefinite" restart="never" nodeType="tmRoot"/>
+      </p:par>
+    </p:tnLst>
+  </p:timing>
+</p:sld>
+</file>
+
+<file path=ppt/slides/slide61.xml><?xml version="1.0" encoding="utf-8"?>
+<p:sld xmlns:a="http://schemas.openxmlformats.org/drawingml/2006/main" xmlns:r="http://schemas.openxmlformats.org/officeDocument/2006/relationships" xmlns:p="http://schemas.openxmlformats.org/presentationml/2006/main">
+  <p:cSld>
+    <p:spTree>
+      <p:nvGrpSpPr>
+        <p:cNvPr id="1" name=""/>
+        <p:cNvGrpSpPr/>
+        <p:nvPr/>
+      </p:nvGrpSpPr>
+      <p:grpSpPr>
+        <a:xfrm>
+          <a:off x="0" y="0"/>
+          <a:ext cx="0" cy="0"/>
+          <a:chOff x="0" y="0"/>
+          <a:chExt cx="0" cy="0"/>
+        </a:xfrm>
+      </p:grpSpPr>
+      <p:sp>
+        <p:nvSpPr>
+          <p:cNvPr id="2" name="Título 1"/>
+          <p:cNvSpPr>
+            <a:spLocks noGrp="1"/>
+          </p:cNvSpPr>
+          <p:nvPr>
+            <p:ph type="title"/>
+          </p:nvPr>
+        </p:nvSpPr>
+        <p:spPr>
+          <a:xfrm>
+            <a:off x="855785" y="0"/>
+            <a:ext cx="10515600" cy="1325563"/>
+          </a:xfrm>
+        </p:spPr>
+        <p:txBody>
+          <a:bodyPr/>
+          <a:lstStyle/>
+          <a:p>
+            <a:r>
+              <a:rPr lang="es-MX" dirty="0" smtClean="0"/>
+              <a:t>Advertencia</a:t>
+            </a:r>
+            <a:endParaRPr lang="es-MX" dirty="0"/>
+          </a:p>
+        </p:txBody>
+      </p:sp>
+      <p:pic>
+        <p:nvPicPr>
+          <p:cNvPr id="4" name="Imagen 3"/>
+          <p:cNvPicPr>
+            <a:picLocks noChangeAspect="1"/>
+          </p:cNvPicPr>
+          <p:nvPr/>
+        </p:nvPicPr>
+        <p:blipFill>
+          <a:blip r:embed="rId2"/>
+          <a:stretch>
+            <a:fillRect/>
+          </a:stretch>
+        </p:blipFill>
+        <p:spPr>
+          <a:xfrm>
+            <a:off x="2187859" y="909637"/>
+            <a:ext cx="7851452" cy="5825271"/>
+          </a:xfrm>
+          <a:prstGeom prst="rect">
+            <a:avLst/>
+          </a:prstGeom>
+        </p:spPr>
+      </p:pic>
+    </p:spTree>
+    <p:extLst>
+      <p:ext uri="{BB962C8B-B14F-4D97-AF65-F5344CB8AC3E}">
+        <p14:creationId xmlns:p14="http://schemas.microsoft.com/office/powerpoint/2010/main" val="691769439"/>
+      </p:ext>
+    </p:extLst>
+  </p:cSld>
+  <p:clrMapOvr>
+    <a:masterClrMapping/>
+  </p:clrMapOvr>
+  <p:timing>
+    <p:tnLst>
+      <p:par>
+        <p:cTn id="1" dur="indefinite" restart="never" nodeType="tmRoot"/>
+      </p:par>
+    </p:tnLst>
+  </p:timing>
+</p:sld>
+</file>
+
+<file path=ppt/slides/slide62.xml><?xml version="1.0" encoding="utf-8"?>
+<p:sld xmlns:a="http://schemas.openxmlformats.org/drawingml/2006/main" xmlns:r="http://schemas.openxmlformats.org/officeDocument/2006/relationships" xmlns:p="http://schemas.openxmlformats.org/presentationml/2006/main">
+  <p:cSld>
+    <p:spTree>
+      <p:nvGrpSpPr>
+        <p:cNvPr id="1" name=""/>
+        <p:cNvGrpSpPr/>
+        <p:nvPr/>
+      </p:nvGrpSpPr>
+      <p:grpSpPr>
+        <a:xfrm>
+          <a:off x="0" y="0"/>
+          <a:ext cx="0" cy="0"/>
+          <a:chOff x="0" y="0"/>
+          <a:chExt cx="0" cy="0"/>
+        </a:xfrm>
+      </p:grpSpPr>
+      <p:sp>
+        <p:nvSpPr>
+          <p:cNvPr id="2" name="Título 1"/>
+          <p:cNvSpPr>
+            <a:spLocks noGrp="1"/>
+          </p:cNvSpPr>
+          <p:nvPr>
+            <p:ph type="title"/>
+          </p:nvPr>
+        </p:nvSpPr>
+        <p:spPr>
+          <a:xfrm>
+            <a:off x="838200" y="0"/>
+            <a:ext cx="10515600" cy="1325563"/>
+          </a:xfrm>
+        </p:spPr>
+        <p:txBody>
+          <a:bodyPr/>
+          <a:lstStyle/>
+          <a:p>
+            <a:r>
+              <a:rPr lang="es-MX" dirty="0" smtClean="0"/>
+              <a:t>Otros operadores de asignación</a:t>
+            </a:r>
+            <a:endParaRPr lang="es-MX" dirty="0"/>
+          </a:p>
+        </p:txBody>
+      </p:sp>
+      <p:pic>
+        <p:nvPicPr>
+          <p:cNvPr id="4" name="Imagen 3"/>
+          <p:cNvPicPr>
+            <a:picLocks noChangeAspect="1"/>
+          </p:cNvPicPr>
+          <p:nvPr/>
+        </p:nvPicPr>
+        <p:blipFill>
+          <a:blip r:embed="rId2"/>
+          <a:stretch>
+            <a:fillRect/>
+          </a:stretch>
+        </p:blipFill>
+        <p:spPr>
+          <a:xfrm>
+            <a:off x="2221791" y="904875"/>
+            <a:ext cx="7748418" cy="5759694"/>
+          </a:xfrm>
+          <a:prstGeom prst="rect">
+            <a:avLst/>
+          </a:prstGeom>
+        </p:spPr>
+      </p:pic>
+    </p:spTree>
+    <p:extLst>
+      <p:ext uri="{BB962C8B-B14F-4D97-AF65-F5344CB8AC3E}">
+        <p14:creationId xmlns:p14="http://schemas.microsoft.com/office/powerpoint/2010/main" val="1444130431"/>
+      </p:ext>
+    </p:extLst>
+  </p:cSld>
+  <p:clrMapOvr>
+    <a:masterClrMapping/>
+  </p:clrMapOvr>
+  <p:timing>
+    <p:tnLst>
+      <p:par>
+        <p:cTn id="1" dur="indefinite" restart="never" nodeType="tmRoot"/>
+      </p:par>
+    </p:tnLst>
+  </p:timing>
+</p:sld>
+</file>
+
+<file path=ppt/slides/slide63.xml><?xml version="1.0" encoding="utf-8"?>
+<p:sld xmlns:a="http://schemas.openxmlformats.org/drawingml/2006/main" xmlns:r="http://schemas.openxmlformats.org/officeDocument/2006/relationships" xmlns:p="http://schemas.openxmlformats.org/presentationml/2006/main">
+  <p:cSld>
+    <p:spTree>
+      <p:nvGrpSpPr>
+        <p:cNvPr id="1" name=""/>
+        <p:cNvGrpSpPr/>
+        <p:nvPr/>
+      </p:nvGrpSpPr>
+      <p:grpSpPr>
+        <a:xfrm>
+          <a:off x="0" y="0"/>
+          <a:ext cx="0" cy="0"/>
+          <a:chOff x="0" y="0"/>
+          <a:chExt cx="0" cy="0"/>
+        </a:xfrm>
+      </p:grpSpPr>
+      <p:sp>
+        <p:nvSpPr>
+          <p:cNvPr id="2" name="Título 1"/>
+          <p:cNvSpPr>
+            <a:spLocks noGrp="1"/>
+          </p:cNvSpPr>
+          <p:nvPr>
+            <p:ph type="title"/>
+          </p:nvPr>
+        </p:nvSpPr>
+        <p:spPr>
+          <a:xfrm>
+            <a:off x="803031" y="0"/>
+            <a:ext cx="10515600" cy="1325563"/>
+          </a:xfrm>
+        </p:spPr>
+        <p:txBody>
+          <a:bodyPr/>
+          <a:lstStyle/>
+          <a:p>
+            <a:r>
+              <a:rPr lang="es-MX" dirty="0" smtClean="0"/>
+              <a:t>Operador </a:t>
+            </a:r>
+            <a:r>
+              <a:rPr lang="es-MX" dirty="0" err="1" smtClean="0"/>
+              <a:t>sizeof</a:t>
+            </a:r>
+            <a:r>
+              <a:rPr lang="es-MX" dirty="0" smtClean="0"/>
+              <a:t/>
+            </a:r>
+            <a:br>
+              <a:rPr lang="es-MX" dirty="0" smtClean="0"/>
+            </a:br>
+            <a:r>
+              <a:rPr lang="es-MX" dirty="0" smtClean="0"/>
+              <a:t>Ejemplo 14</a:t>
+            </a:r>
+            <a:endParaRPr lang="es-MX" dirty="0"/>
+          </a:p>
+        </p:txBody>
+      </p:sp>
+      <p:pic>
+        <p:nvPicPr>
+          <p:cNvPr id="4" name="Imagen 3"/>
+          <p:cNvPicPr>
+            <a:picLocks noChangeAspect="1"/>
+          </p:cNvPicPr>
+          <p:nvPr/>
+        </p:nvPicPr>
+        <p:blipFill>
+          <a:blip r:embed="rId2"/>
+          <a:stretch>
+            <a:fillRect/>
+          </a:stretch>
+        </p:blipFill>
+        <p:spPr>
+          <a:xfrm>
+            <a:off x="3884536" y="580292"/>
+            <a:ext cx="8068584" cy="6031523"/>
+          </a:xfrm>
+          <a:prstGeom prst="rect">
+            <a:avLst/>
+          </a:prstGeom>
+        </p:spPr>
+      </p:pic>
+    </p:spTree>
+    <p:extLst>
+      <p:ext uri="{BB962C8B-B14F-4D97-AF65-F5344CB8AC3E}">
+        <p14:creationId xmlns:p14="http://schemas.microsoft.com/office/powerpoint/2010/main" val="135402980"/>
+      </p:ext>
+    </p:extLst>
+  </p:cSld>
+  <p:clrMapOvr>
+    <a:masterClrMapping/>
+  </p:clrMapOvr>
+  <p:timing>
+    <p:tnLst>
+      <p:par>
+        <p:cTn id="1" dur="indefinite" restart="never" nodeType="tmRoot"/>
+      </p:par>
+    </p:tnLst>
+  </p:timing>
+</p:sld>
+</file>
+
+<file path=ppt/slides/slide64.xml><?xml version="1.0" encoding="utf-8"?>
+<p:sld xmlns:a="http://schemas.openxmlformats.org/drawingml/2006/main" xmlns:r="http://schemas.openxmlformats.org/officeDocument/2006/relationships" xmlns:p="http://schemas.openxmlformats.org/presentationml/2006/main">
+  <p:cSld>
+    <p:spTree>
+      <p:nvGrpSpPr>
+        <p:cNvPr id="1" name=""/>
+        <p:cNvGrpSpPr/>
+        <p:nvPr/>
+      </p:nvGrpSpPr>
+      <p:grpSpPr>
+        <a:xfrm>
+          <a:off x="0" y="0"/>
+          <a:ext cx="0" cy="0"/>
+          <a:chOff x="0" y="0"/>
+          <a:chExt cx="0" cy="0"/>
+        </a:xfrm>
+      </p:grpSpPr>
+      <p:sp>
+        <p:nvSpPr>
+          <p:cNvPr id="2" name="Título 1"/>
+          <p:cNvSpPr>
+            <a:spLocks noGrp="1"/>
+          </p:cNvSpPr>
+          <p:nvPr>
+            <p:ph type="title"/>
+          </p:nvPr>
+        </p:nvSpPr>
+        <p:spPr>
+          <a:xfrm>
+            <a:off x="855784" y="0"/>
+            <a:ext cx="10515600" cy="1325563"/>
+          </a:xfrm>
+        </p:spPr>
+        <p:txBody>
+          <a:bodyPr/>
+          <a:lstStyle/>
+          <a:p>
+            <a:r>
+              <a:rPr lang="es-MX" dirty="0" smtClean="0"/>
+              <a:t>Operador de expresión condicional</a:t>
+            </a:r>
+            <a:endParaRPr lang="es-MX" dirty="0"/>
+          </a:p>
+        </p:txBody>
+      </p:sp>
+      <p:pic>
+        <p:nvPicPr>
+          <p:cNvPr id="4" name="Imagen 3"/>
+          <p:cNvPicPr>
+            <a:picLocks noChangeAspect="1"/>
+          </p:cNvPicPr>
+          <p:nvPr/>
+        </p:nvPicPr>
+        <p:blipFill>
+          <a:blip r:embed="rId2"/>
+          <a:stretch>
+            <a:fillRect/>
+          </a:stretch>
+        </p:blipFill>
+        <p:spPr>
+          <a:xfrm>
+            <a:off x="2278672" y="992800"/>
+            <a:ext cx="7548565" cy="5619016"/>
+          </a:xfrm>
+          <a:prstGeom prst="rect">
+            <a:avLst/>
+          </a:prstGeom>
+        </p:spPr>
+      </p:pic>
+    </p:spTree>
+    <p:extLst>
+      <p:ext uri="{BB962C8B-B14F-4D97-AF65-F5344CB8AC3E}">
+        <p14:creationId xmlns:p14="http://schemas.microsoft.com/office/powerpoint/2010/main" val="4118392104"/>
+      </p:ext>
+    </p:extLst>
+  </p:cSld>
+  <p:clrMapOvr>
+    <a:masterClrMapping/>
+  </p:clrMapOvr>
+  <p:timing>
+    <p:tnLst>
+      <p:par>
+        <p:cTn id="1" dur="indefinite" restart="never" nodeType="tmRoot"/>
+      </p:par>
+    </p:tnLst>
+  </p:timing>
+</p:sld>
+</file>
+
+<file path=ppt/slides/slide65.xml><?xml version="1.0" encoding="utf-8"?>
+<p:sld xmlns:a="http://schemas.openxmlformats.org/drawingml/2006/main" xmlns:r="http://schemas.openxmlformats.org/officeDocument/2006/relationships" xmlns:p="http://schemas.openxmlformats.org/presentationml/2006/main">
+  <p:cSld>
+    <p:spTree>
+      <p:nvGrpSpPr>
+        <p:cNvPr id="1" name=""/>
+        <p:cNvGrpSpPr/>
+        <p:nvPr/>
+      </p:nvGrpSpPr>
+      <p:grpSpPr>
+        <a:xfrm>
+          <a:off x="0" y="0"/>
+          <a:ext cx="0" cy="0"/>
+          <a:chOff x="0" y="0"/>
+          <a:chExt cx="0" cy="0"/>
+        </a:xfrm>
+      </p:grpSpPr>
+      <p:sp>
+        <p:nvSpPr>
+          <p:cNvPr id="2" name="Título 1"/>
+          <p:cNvSpPr>
+            <a:spLocks noGrp="1"/>
+          </p:cNvSpPr>
+          <p:nvPr>
+            <p:ph type="title"/>
+          </p:nvPr>
+        </p:nvSpPr>
+        <p:spPr>
+          <a:xfrm>
+            <a:off x="838200" y="0"/>
+            <a:ext cx="10515600" cy="1325563"/>
+          </a:xfrm>
+        </p:spPr>
+        <p:txBody>
+          <a:bodyPr/>
+          <a:lstStyle/>
+          <a:p>
+            <a:r>
+              <a:rPr lang="es-MX" dirty="0" smtClean="0"/>
+              <a:t>Precedencia de operadores</a:t>
+            </a:r>
+            <a:endParaRPr lang="es-MX" dirty="0"/>
+          </a:p>
+        </p:txBody>
+      </p:sp>
+      <p:pic>
+        <p:nvPicPr>
+          <p:cNvPr id="4" name="Imagen 3"/>
+          <p:cNvPicPr>
+            <a:picLocks noChangeAspect="1"/>
+          </p:cNvPicPr>
+          <p:nvPr/>
+        </p:nvPicPr>
+        <p:blipFill>
+          <a:blip r:embed="rId2"/>
+          <a:stretch>
+            <a:fillRect/>
+          </a:stretch>
+        </p:blipFill>
+        <p:spPr>
+          <a:xfrm>
+            <a:off x="2226652" y="927221"/>
+            <a:ext cx="7738696" cy="5782161"/>
+          </a:xfrm>
+          <a:prstGeom prst="rect">
+            <a:avLst/>
+          </a:prstGeom>
+        </p:spPr>
+      </p:pic>
+    </p:spTree>
+    <p:extLst>
+      <p:ext uri="{BB962C8B-B14F-4D97-AF65-F5344CB8AC3E}">
+        <p14:creationId xmlns:p14="http://schemas.microsoft.com/office/powerpoint/2010/main" val="1368531182"/>
+      </p:ext>
+    </p:extLst>
+  </p:cSld>
+  <p:clrMapOvr>
+    <a:masterClrMapping/>
+  </p:clrMapOvr>
+  <p:timing>
+    <p:tnLst>
+      <p:par>
+        <p:cTn id="1" dur="indefinite" restart="never" nodeType="tmRoot"/>
+      </p:par>
+    </p:tnLst>
+  </p:timing>
+</p:sld>
+</file>
+
+<file path=ppt/slides/slide66.xml><?xml version="1.0" encoding="utf-8"?>
+<p:sld xmlns:a="http://schemas.openxmlformats.org/drawingml/2006/main" xmlns:r="http://schemas.openxmlformats.org/officeDocument/2006/relationships" xmlns:p="http://schemas.openxmlformats.org/presentationml/2006/main">
+  <p:cSld>
+    <p:spTree>
+      <p:nvGrpSpPr>
+        <p:cNvPr id="1" name=""/>
+        <p:cNvGrpSpPr/>
+        <p:nvPr/>
+      </p:nvGrpSpPr>
+      <p:grpSpPr>
+        <a:xfrm>
+          <a:off x="0" y="0"/>
+          <a:ext cx="0" cy="0"/>
+          <a:chOff x="0" y="0"/>
+          <a:chExt cx="0" cy="0"/>
+        </a:xfrm>
+      </p:grpSpPr>
+      <p:sp>
+        <p:nvSpPr>
+          <p:cNvPr id="2" name="Título 1"/>
+          <p:cNvSpPr>
+            <a:spLocks noGrp="1"/>
+          </p:cNvSpPr>
+          <p:nvPr>
+            <p:ph type="title"/>
+          </p:nvPr>
+        </p:nvSpPr>
+        <p:spPr>
+          <a:xfrm>
+            <a:off x="855784" y="0"/>
+            <a:ext cx="10515600" cy="1325563"/>
+          </a:xfrm>
+        </p:spPr>
+        <p:txBody>
+          <a:bodyPr/>
+          <a:lstStyle/>
+          <a:p>
+            <a:r>
+              <a:rPr lang="es-MX" dirty="0" err="1" smtClean="0"/>
+              <a:t>Asociatividad</a:t>
+            </a:r>
+            <a:r>
+              <a:rPr lang="es-MX" dirty="0" smtClean="0"/>
+              <a:t> de operadores</a:t>
+            </a:r>
+            <a:endParaRPr lang="es-MX" dirty="0"/>
+          </a:p>
+        </p:txBody>
+      </p:sp>
+      <p:pic>
+        <p:nvPicPr>
+          <p:cNvPr id="4" name="Imagen 3"/>
+          <p:cNvPicPr>
+            <a:picLocks noChangeAspect="1"/>
+          </p:cNvPicPr>
+          <p:nvPr/>
+        </p:nvPicPr>
+        <p:blipFill>
+          <a:blip r:embed="rId2"/>
+          <a:stretch>
+            <a:fillRect/>
+          </a:stretch>
+        </p:blipFill>
+        <p:spPr>
+          <a:xfrm>
+            <a:off x="2261088" y="935281"/>
+            <a:ext cx="7704992" cy="5746279"/>
+          </a:xfrm>
+          <a:prstGeom prst="rect">
+            <a:avLst/>
+          </a:prstGeom>
+        </p:spPr>
+      </p:pic>
+    </p:spTree>
+    <p:extLst>
+      <p:ext uri="{BB962C8B-B14F-4D97-AF65-F5344CB8AC3E}">
+        <p14:creationId xmlns:p14="http://schemas.microsoft.com/office/powerpoint/2010/main" val="2468331318"/>
+      </p:ext>
+    </p:extLst>
+  </p:cSld>
+  <p:clrMapOvr>
+    <a:masterClrMapping/>
+  </p:clrMapOvr>
+  <p:timing>
+    <p:tnLst>
+      <p:par>
+        <p:cTn id="1" dur="indefinite" restart="never" nodeType="tmRoot"/>
+      </p:par>
+    </p:tnLst>
+  </p:timing>
+</p:sld>
+</file>
+
+<file path=ppt/slides/slide67.xml><?xml version="1.0" encoding="utf-8"?>
+<p:sld xmlns:a="http://schemas.openxmlformats.org/drawingml/2006/main" xmlns:r="http://schemas.openxmlformats.org/officeDocument/2006/relationships" xmlns:p="http://schemas.openxmlformats.org/presentationml/2006/main">
+  <p:cSld>
+    <p:spTree>
+      <p:nvGrpSpPr>
+        <p:cNvPr id="1" name=""/>
+        <p:cNvGrpSpPr/>
+        <p:nvPr/>
+      </p:nvGrpSpPr>
+      <p:grpSpPr>
+        <a:xfrm>
+          <a:off x="0" y="0"/>
+          <a:ext cx="0" cy="0"/>
+          <a:chOff x="0" y="0"/>
+          <a:chExt cx="0" cy="0"/>
+        </a:xfrm>
+      </p:grpSpPr>
+      <p:sp>
+        <p:nvSpPr>
+          <p:cNvPr id="2" name="Título 1"/>
+          <p:cNvSpPr>
+            <a:spLocks noGrp="1"/>
+          </p:cNvSpPr>
+          <p:nvPr>
+            <p:ph type="title"/>
+          </p:nvPr>
+        </p:nvSpPr>
+        <p:spPr>
+          <a:xfrm>
+            <a:off x="803031" y="0"/>
+            <a:ext cx="10515600" cy="1325563"/>
+          </a:xfrm>
+        </p:spPr>
+        <p:txBody>
+          <a:bodyPr/>
+          <a:lstStyle/>
+          <a:p>
+            <a:r>
+              <a:rPr lang="es-MX" dirty="0" smtClean="0"/>
+              <a:t>Tabla de precedencia/</a:t>
+            </a:r>
+            <a:r>
+              <a:rPr lang="es-MX" dirty="0" err="1" smtClean="0"/>
+              <a:t>asociatividad</a:t>
+            </a:r>
+            <a:endParaRPr lang="es-MX" dirty="0"/>
+          </a:p>
+        </p:txBody>
+      </p:sp>
+      <p:pic>
+        <p:nvPicPr>
+          <p:cNvPr id="4" name="Imagen 3"/>
+          <p:cNvPicPr>
+            <a:picLocks noChangeAspect="1"/>
+          </p:cNvPicPr>
+          <p:nvPr/>
+        </p:nvPicPr>
+        <p:blipFill>
+          <a:blip r:embed="rId2"/>
+          <a:stretch>
+            <a:fillRect/>
+          </a:stretch>
+        </p:blipFill>
+        <p:spPr>
+          <a:xfrm>
+            <a:off x="2172616" y="871537"/>
+            <a:ext cx="7776430" cy="5744076"/>
+          </a:xfrm>
+          <a:prstGeom prst="rect">
+            <a:avLst/>
+          </a:prstGeom>
+        </p:spPr>
+      </p:pic>
+    </p:spTree>
+    <p:extLst>
+      <p:ext uri="{BB962C8B-B14F-4D97-AF65-F5344CB8AC3E}">
+        <p14:creationId xmlns:p14="http://schemas.microsoft.com/office/powerpoint/2010/main" val="4090534920"/>
+      </p:ext>
+    </p:extLst>
+  </p:cSld>
+  <p:clrMapOvr>
+    <a:masterClrMapping/>
+  </p:clrMapOvr>
+  <p:timing>
+    <p:tnLst>
+      <p:par>
+        <p:cTn id="1" dur="indefinite" restart="never" nodeType="tmRoot"/>
+      </p:par>
+    </p:tnLst>
+  </p:timing>
+</p:sld>
+</file>
+
+<file path=ppt/slides/slide68.xml><?xml version="1.0" encoding="utf-8"?>
+<p:sld xmlns:a="http://schemas.openxmlformats.org/drawingml/2006/main" xmlns:r="http://schemas.openxmlformats.org/officeDocument/2006/relationships" xmlns:p="http://schemas.openxmlformats.org/presentationml/2006/main">
+  <p:cSld>
+    <p:spTree>
+      <p:nvGrpSpPr>
+        <p:cNvPr id="1" name=""/>
+        <p:cNvGrpSpPr/>
+        <p:nvPr/>
+      </p:nvGrpSpPr>
+      <p:grpSpPr>
+        <a:xfrm>
+          <a:off x="0" y="0"/>
+          <a:ext cx="0" cy="0"/>
+          <a:chOff x="0" y="0"/>
+          <a:chExt cx="0" cy="0"/>
+        </a:xfrm>
+      </p:grpSpPr>
+      <p:sp>
+        <p:nvSpPr>
+          <p:cNvPr id="2" name="Título 1"/>
+          <p:cNvSpPr>
+            <a:spLocks noGrp="1"/>
+          </p:cNvSpPr>
+          <p:nvPr>
+            <p:ph type="title"/>
+          </p:nvPr>
+        </p:nvSpPr>
+        <p:spPr>
+          <a:xfrm>
+            <a:off x="838200" y="0"/>
+            <a:ext cx="10515600" cy="1325563"/>
+          </a:xfrm>
+        </p:spPr>
+        <p:txBody>
+          <a:bodyPr/>
+          <a:lstStyle/>
+          <a:p>
+            <a:r>
+              <a:rPr lang="es-MX" dirty="0" smtClean="0"/>
+              <a:t>Repaso</a:t>
+            </a:r>
+            <a:br>
+              <a:rPr lang="es-MX" dirty="0" smtClean="0"/>
+            </a:br>
+            <a:r>
+              <a:rPr lang="es-MX" dirty="0" smtClean="0"/>
+              <a:t>Ejemplo 15</a:t>
+            </a:r>
+            <a:endParaRPr lang="es-MX" dirty="0"/>
+          </a:p>
+        </p:txBody>
+      </p:sp>
+      <p:pic>
+        <p:nvPicPr>
+          <p:cNvPr id="4" name="Imagen 3"/>
+          <p:cNvPicPr>
+            <a:picLocks noChangeAspect="1"/>
+          </p:cNvPicPr>
+          <p:nvPr/>
+        </p:nvPicPr>
+        <p:blipFill>
+          <a:blip r:embed="rId2"/>
+          <a:stretch>
+            <a:fillRect/>
+          </a:stretch>
+        </p:blipFill>
+        <p:spPr>
+          <a:xfrm>
+            <a:off x="3473452" y="228600"/>
+            <a:ext cx="8539491" cy="6348046"/>
+          </a:xfrm>
+          <a:prstGeom prst="rect">
+            <a:avLst/>
+          </a:prstGeom>
+        </p:spPr>
+      </p:pic>
+    </p:spTree>
+    <p:extLst>
+      <p:ext uri="{BB962C8B-B14F-4D97-AF65-F5344CB8AC3E}">
+        <p14:creationId xmlns:p14="http://schemas.microsoft.com/office/powerpoint/2010/main" val="2961611085"/>
+      </p:ext>
+    </p:extLst>
+  </p:cSld>
+  <p:clrMapOvr>
+    <a:masterClrMapping/>
+  </p:clrMapOvr>
+  <p:timing>
+    <p:tnLst>
+      <p:par>
+        <p:cTn id="1" dur="indefinite" restart="never" nodeType="tmRoot"/>
+      </p:par>
+    </p:tnLst>
+  </p:timing>
+</p:sld>
+</file>
+
+<file path=ppt/slides/slide69.xml><?xml version="1.0" encoding="utf-8"?>
+<p:sld xmlns:a="http://schemas.openxmlformats.org/drawingml/2006/main" xmlns:r="http://schemas.openxmlformats.org/officeDocument/2006/relationships" xmlns:p="http://schemas.openxmlformats.org/presentationml/2006/main">
+  <p:cSld>
+    <p:spTree>
+      <p:nvGrpSpPr>
+        <p:cNvPr id="1" name=""/>
+        <p:cNvGrpSpPr/>
+        <p:nvPr/>
+      </p:nvGrpSpPr>
+      <p:grpSpPr>
+        <a:xfrm>
+          <a:off x="0" y="0"/>
+          <a:ext cx="0" cy="0"/>
+          <a:chOff x="0" y="0"/>
+          <a:chExt cx="0" cy="0"/>
+        </a:xfrm>
+      </p:grpSpPr>
+      <p:sp>
+        <p:nvSpPr>
+          <p:cNvPr id="2" name="Título 1"/>
+          <p:cNvSpPr>
+            <a:spLocks noGrp="1"/>
+          </p:cNvSpPr>
+          <p:nvPr>
+            <p:ph type="title"/>
+          </p:nvPr>
+        </p:nvSpPr>
+        <p:spPr>
+          <a:xfrm>
+            <a:off x="803030" y="-162414"/>
+            <a:ext cx="10515600" cy="1325563"/>
+          </a:xfrm>
+        </p:spPr>
+        <p:txBody>
+          <a:bodyPr/>
+          <a:lstStyle/>
+          <a:p>
+            <a:r>
+              <a:rPr lang="es-MX" dirty="0" smtClean="0"/>
+              <a:t>1.5 Expresiones simples y complejas</a:t>
+            </a:r>
+            <a:endParaRPr lang="es-MX" dirty="0"/>
+          </a:p>
+        </p:txBody>
+      </p:sp>
+      <p:sp>
+        <p:nvSpPr>
+          <p:cNvPr id="3" name="CuadroTexto 2"/>
+          <p:cNvSpPr txBox="1"/>
+          <p:nvPr/>
+        </p:nvSpPr>
+        <p:spPr>
+          <a:xfrm>
+            <a:off x="803030" y="793872"/>
+            <a:ext cx="11241732" cy="5262979"/>
+          </a:xfrm>
+          <a:prstGeom prst="rect">
+            <a:avLst/>
+          </a:prstGeom>
+          <a:noFill/>
+        </p:spPr>
+        <p:txBody>
+          <a:bodyPr wrap="none" rtlCol="0">
+            <a:spAutoFit/>
+          </a:bodyPr>
+          <a:lstStyle/>
+          <a:p>
+            <a:r>
+              <a:rPr lang="es-MX" sz="2800" dirty="0" smtClean="0"/>
+              <a:t>Las expresiones (</a:t>
+            </a:r>
+            <a:r>
+              <a:rPr lang="es-MX" sz="2800" dirty="0" err="1" smtClean="0"/>
+              <a:t>Joyanes</a:t>
+            </a:r>
+            <a:r>
+              <a:rPr lang="es-MX" sz="2800" dirty="0" smtClean="0"/>
+              <a:t> Aguilar Luis) son combinaciones de constantes, </a:t>
+            </a:r>
+          </a:p>
+          <a:p>
+            <a:r>
+              <a:rPr lang="es-MX" sz="2800" dirty="0" smtClean="0"/>
+              <a:t>variables, símbolos de operación, paréntesis y nombres de funciones </a:t>
+            </a:r>
+          </a:p>
+          <a:p>
+            <a:r>
+              <a:rPr lang="es-MX" sz="2800" dirty="0" smtClean="0"/>
+              <a:t>especiales.</a:t>
+            </a:r>
+          </a:p>
+          <a:p>
+            <a:r>
+              <a:rPr lang="es-MX" sz="2800" dirty="0" smtClean="0"/>
+              <a:t>En la bibliografía del curso no aparecen los términos ‘expresiones simples’ </a:t>
+            </a:r>
+          </a:p>
+          <a:p>
+            <a:r>
+              <a:rPr lang="es-MX" sz="2800" dirty="0" smtClean="0"/>
+              <a:t>y ‘expresiones complejas’. Tales términos solo me ha sido posible encontrar-</a:t>
+            </a:r>
+          </a:p>
+          <a:p>
+            <a:r>
+              <a:rPr lang="es-MX" sz="2800" dirty="0" smtClean="0"/>
+              <a:t>los en dos páginas web:</a:t>
+            </a:r>
+          </a:p>
+          <a:p>
+            <a:r>
+              <a:rPr lang="es-MX" sz="2000" dirty="0">
+                <a:hlinkClick r:id="rId2"/>
+              </a:rPr>
+              <a:t>https://newsandstory.com/story/s7mszmn/Expressions-and-its-uses-in-C-program-module-11-</a:t>
+            </a:r>
+            <a:r>
+              <a:rPr lang="es-MX" sz="2000" dirty="0" smtClean="0">
+                <a:hlinkClick r:id="rId2"/>
+              </a:rPr>
+              <a:t>/</a:t>
+            </a:r>
+            <a:endParaRPr lang="es-MX" sz="2000" dirty="0" smtClean="0"/>
+          </a:p>
+          <a:p>
+            <a:r>
+              <a:rPr lang="es-MX" sz="2000" dirty="0" smtClean="0"/>
+              <a:t>“</a:t>
+            </a:r>
+            <a:r>
+              <a:rPr lang="es-MX" sz="2000" dirty="0" err="1" smtClean="0"/>
+              <a:t>An</a:t>
+            </a:r>
+            <a:r>
+              <a:rPr lang="es-MX" sz="2000" dirty="0" smtClean="0"/>
+              <a:t> </a:t>
+            </a:r>
+            <a:r>
+              <a:rPr lang="es-MX" sz="2000" dirty="0" err="1" smtClean="0"/>
+              <a:t>expression</a:t>
+            </a:r>
+            <a:r>
+              <a:rPr lang="es-MX" sz="2000" dirty="0" smtClean="0"/>
+              <a:t> </a:t>
+            </a:r>
+            <a:r>
+              <a:rPr lang="es-MX" sz="2000" dirty="0" err="1" smtClean="0"/>
+              <a:t>is</a:t>
+            </a:r>
+            <a:r>
+              <a:rPr lang="es-MX" sz="2000" dirty="0" smtClean="0"/>
+              <a:t> a </a:t>
+            </a:r>
+            <a:r>
+              <a:rPr lang="es-MX" sz="2000" dirty="0" err="1" smtClean="0"/>
+              <a:t>sequence</a:t>
+            </a:r>
+            <a:r>
+              <a:rPr lang="es-MX" sz="2000" dirty="0" smtClean="0"/>
+              <a:t> of </a:t>
+            </a:r>
+            <a:r>
+              <a:rPr lang="es-MX" sz="2000" dirty="0" err="1" smtClean="0"/>
+              <a:t>operators</a:t>
+            </a:r>
+            <a:r>
+              <a:rPr lang="es-MX" sz="2000" dirty="0" smtClean="0"/>
+              <a:t> and </a:t>
+            </a:r>
+            <a:r>
+              <a:rPr lang="es-MX" sz="2000" dirty="0" err="1" smtClean="0"/>
+              <a:t>operands</a:t>
+            </a:r>
+            <a:r>
+              <a:rPr lang="es-MX" sz="2000" dirty="0" smtClean="0"/>
+              <a:t> </a:t>
+            </a:r>
+            <a:r>
+              <a:rPr lang="es-MX" sz="2000" dirty="0" err="1" smtClean="0"/>
+              <a:t>that</a:t>
+            </a:r>
+            <a:r>
+              <a:rPr lang="es-MX" sz="2000" dirty="0" smtClean="0"/>
+              <a:t> reduces to a single </a:t>
+            </a:r>
+            <a:r>
+              <a:rPr lang="es-MX" sz="2000" dirty="0" err="1" smtClean="0"/>
+              <a:t>value</a:t>
+            </a:r>
+            <a:r>
+              <a:rPr lang="es-MX" sz="2000" dirty="0" smtClean="0"/>
+              <a:t>. </a:t>
+            </a:r>
+            <a:r>
+              <a:rPr lang="es-MX" sz="2000" dirty="0" err="1" smtClean="0"/>
+              <a:t>Expressions</a:t>
+            </a:r>
+            <a:r>
+              <a:rPr lang="es-MX" sz="2000" dirty="0" smtClean="0"/>
+              <a:t> can be </a:t>
+            </a:r>
+          </a:p>
+          <a:p>
+            <a:r>
+              <a:rPr lang="es-MX" sz="2000" dirty="0" smtClean="0"/>
+              <a:t>simple </a:t>
+            </a:r>
+            <a:r>
+              <a:rPr lang="es-MX" sz="2000" dirty="0" err="1" smtClean="0"/>
+              <a:t>or</a:t>
+            </a:r>
+            <a:r>
+              <a:rPr lang="es-MX" sz="2000" dirty="0" smtClean="0"/>
+              <a:t> </a:t>
+            </a:r>
+            <a:r>
+              <a:rPr lang="es-MX" sz="2000" dirty="0" err="1" smtClean="0"/>
+              <a:t>complex</a:t>
+            </a:r>
+            <a:r>
+              <a:rPr lang="es-MX" sz="2000" dirty="0" smtClean="0"/>
+              <a:t>. A </a:t>
+            </a:r>
+            <a:r>
+              <a:rPr lang="es-MX" sz="2000" dirty="0" err="1" smtClean="0"/>
+              <a:t>operator</a:t>
+            </a:r>
+            <a:r>
+              <a:rPr lang="es-MX" sz="2000" dirty="0" smtClean="0"/>
+              <a:t> </a:t>
+            </a:r>
+            <a:r>
+              <a:rPr lang="es-MX" sz="2000" dirty="0" err="1" smtClean="0"/>
+              <a:t>is</a:t>
+            </a:r>
+            <a:r>
+              <a:rPr lang="es-MX" sz="2000" dirty="0" smtClean="0"/>
+              <a:t> a </a:t>
+            </a:r>
+            <a:r>
+              <a:rPr lang="es-MX" sz="2000" dirty="0" err="1" smtClean="0"/>
+              <a:t>syntactical</a:t>
+            </a:r>
+            <a:r>
+              <a:rPr lang="es-MX" sz="2000" dirty="0" smtClean="0"/>
+              <a:t> </a:t>
+            </a:r>
+            <a:r>
+              <a:rPr lang="es-MX" sz="2000" dirty="0" err="1" smtClean="0"/>
+              <a:t>token</a:t>
+            </a:r>
+            <a:r>
+              <a:rPr lang="es-MX" sz="2000" dirty="0" smtClean="0"/>
+              <a:t> </a:t>
+            </a:r>
+            <a:r>
+              <a:rPr lang="es-MX" sz="2000" dirty="0" err="1" smtClean="0"/>
+              <a:t>that</a:t>
+            </a:r>
+            <a:r>
+              <a:rPr lang="es-MX" sz="2000" dirty="0" smtClean="0"/>
+              <a:t> </a:t>
+            </a:r>
+            <a:r>
+              <a:rPr lang="es-MX" sz="2000" dirty="0" err="1" smtClean="0"/>
+              <a:t>requires</a:t>
+            </a:r>
+            <a:r>
+              <a:rPr lang="es-MX" sz="2000" dirty="0" smtClean="0"/>
+              <a:t> </a:t>
+            </a:r>
+            <a:r>
+              <a:rPr lang="es-MX" sz="2000" dirty="0" err="1" smtClean="0"/>
+              <a:t>an</a:t>
+            </a:r>
+            <a:r>
+              <a:rPr lang="es-MX" sz="2000" dirty="0" smtClean="0"/>
+              <a:t> </a:t>
+            </a:r>
+            <a:r>
+              <a:rPr lang="es-MX" sz="2000" dirty="0" err="1" smtClean="0"/>
+              <a:t>action</a:t>
+            </a:r>
+            <a:r>
+              <a:rPr lang="es-MX" sz="2000" dirty="0" smtClean="0"/>
+              <a:t> be </a:t>
+            </a:r>
+            <a:r>
+              <a:rPr lang="es-MX" sz="2000" dirty="0" err="1" smtClean="0"/>
+              <a:t>taken</a:t>
+            </a:r>
+            <a:r>
+              <a:rPr lang="es-MX" sz="2000" dirty="0" smtClean="0"/>
+              <a:t>.  </a:t>
+            </a:r>
+            <a:r>
+              <a:rPr lang="es-MX" sz="2000" dirty="0" err="1" smtClean="0"/>
+              <a:t>An</a:t>
+            </a:r>
+            <a:r>
+              <a:rPr lang="es-MX" sz="2000" dirty="0" smtClean="0"/>
+              <a:t> </a:t>
+            </a:r>
+            <a:r>
+              <a:rPr lang="es-MX" sz="2000" dirty="0" err="1" smtClean="0"/>
+              <a:t>operand</a:t>
+            </a:r>
+            <a:r>
+              <a:rPr lang="es-MX" sz="2000" dirty="0" smtClean="0"/>
+              <a:t> </a:t>
+            </a:r>
+            <a:r>
+              <a:rPr lang="es-MX" sz="2000" dirty="0" err="1" smtClean="0"/>
+              <a:t>is</a:t>
+            </a:r>
+            <a:r>
+              <a:rPr lang="es-MX" sz="2000" dirty="0" smtClean="0"/>
+              <a:t> </a:t>
+            </a:r>
+            <a:r>
+              <a:rPr lang="es-MX" sz="2000" dirty="0" err="1" smtClean="0"/>
+              <a:t>an</a:t>
+            </a:r>
+            <a:r>
+              <a:rPr lang="es-MX" sz="2000" dirty="0" smtClean="0"/>
+              <a:t> </a:t>
+            </a:r>
+          </a:p>
+          <a:p>
+            <a:r>
+              <a:rPr lang="es-MX" sz="2000" dirty="0" err="1" smtClean="0"/>
+              <a:t>object</a:t>
+            </a:r>
+            <a:r>
+              <a:rPr lang="es-MX" sz="2000" dirty="0" smtClean="0"/>
+              <a:t> </a:t>
+            </a:r>
+            <a:r>
+              <a:rPr lang="es-MX" sz="2000" dirty="0" err="1" smtClean="0"/>
+              <a:t>on</a:t>
+            </a:r>
+            <a:r>
+              <a:rPr lang="es-MX" sz="2000" dirty="0"/>
+              <a:t> </a:t>
+            </a:r>
+            <a:r>
+              <a:rPr lang="es-MX" sz="2000" dirty="0" err="1" smtClean="0"/>
+              <a:t>which</a:t>
+            </a:r>
+            <a:r>
+              <a:rPr lang="es-MX" sz="2000" dirty="0" smtClean="0"/>
+              <a:t> </a:t>
+            </a:r>
+            <a:r>
+              <a:rPr lang="es-MX" sz="2000" dirty="0" err="1" smtClean="0"/>
+              <a:t>an</a:t>
+            </a:r>
+            <a:r>
+              <a:rPr lang="es-MX" sz="2000" dirty="0" smtClean="0"/>
+              <a:t> </a:t>
+            </a:r>
+            <a:r>
+              <a:rPr lang="es-MX" sz="2000" dirty="0" err="1" smtClean="0"/>
+              <a:t>operand</a:t>
+            </a:r>
+            <a:r>
+              <a:rPr lang="es-MX" sz="2000" dirty="0" smtClean="0"/>
+              <a:t> </a:t>
+            </a:r>
+            <a:r>
+              <a:rPr lang="es-MX" sz="2000" dirty="0" err="1" smtClean="0"/>
+              <a:t>is</a:t>
+            </a:r>
+            <a:r>
+              <a:rPr lang="es-MX" sz="2000" dirty="0" smtClean="0"/>
+              <a:t> </a:t>
+            </a:r>
+            <a:r>
+              <a:rPr lang="es-MX" sz="2000" dirty="0" err="1" smtClean="0"/>
+              <a:t>performed</a:t>
+            </a:r>
+            <a:r>
+              <a:rPr lang="es-MX" sz="2000" dirty="0" smtClean="0"/>
+              <a:t>. </a:t>
+            </a:r>
+            <a:r>
+              <a:rPr lang="es-MX" sz="2000" dirty="0" err="1" smtClean="0"/>
+              <a:t>Asimple</a:t>
+            </a:r>
+            <a:r>
+              <a:rPr lang="es-MX" sz="2000" dirty="0" smtClean="0"/>
+              <a:t> </a:t>
+            </a:r>
+            <a:r>
+              <a:rPr lang="es-MX" sz="2000" dirty="0" err="1" smtClean="0"/>
+              <a:t>expression</a:t>
+            </a:r>
+            <a:r>
+              <a:rPr lang="es-MX" sz="2000" dirty="0" smtClean="0"/>
+              <a:t> </a:t>
+            </a:r>
+            <a:r>
+              <a:rPr lang="es-MX" sz="2000" dirty="0" err="1" smtClean="0"/>
+              <a:t>contains</a:t>
+            </a:r>
+            <a:r>
+              <a:rPr lang="es-MX" sz="2000" dirty="0" smtClean="0"/>
+              <a:t> </a:t>
+            </a:r>
+            <a:r>
+              <a:rPr lang="es-MX" sz="2000" dirty="0" err="1" smtClean="0"/>
+              <a:t>only</a:t>
+            </a:r>
+            <a:r>
+              <a:rPr lang="es-MX" sz="2000" dirty="0" smtClean="0"/>
+              <a:t> </a:t>
+            </a:r>
+            <a:r>
+              <a:rPr lang="es-MX" sz="2000" dirty="0" err="1" smtClean="0"/>
+              <a:t>one</a:t>
+            </a:r>
+            <a:r>
+              <a:rPr lang="es-MX" sz="2000" dirty="0" smtClean="0"/>
+              <a:t> </a:t>
+            </a:r>
+            <a:r>
+              <a:rPr lang="es-MX" sz="2000" dirty="0" err="1" smtClean="0"/>
+              <a:t>operator</a:t>
+            </a:r>
+            <a:r>
+              <a:rPr lang="es-MX" sz="2000" dirty="0" smtClean="0"/>
+              <a:t>. </a:t>
+            </a:r>
+            <a:r>
+              <a:rPr lang="es-MX" sz="2000" dirty="0" err="1" smtClean="0"/>
+              <a:t>Eg</a:t>
+            </a:r>
+            <a:r>
+              <a:rPr lang="es-MX" sz="2000" dirty="0" smtClean="0"/>
+              <a:t>. 2+3 </a:t>
+            </a:r>
+            <a:r>
+              <a:rPr lang="es-MX" sz="2000" dirty="0" err="1" smtClean="0"/>
+              <a:t>is</a:t>
+            </a:r>
+            <a:r>
+              <a:rPr lang="es-MX" sz="2000" dirty="0" smtClean="0"/>
+              <a:t> a </a:t>
+            </a:r>
+          </a:p>
+          <a:p>
+            <a:r>
+              <a:rPr lang="es-MX" sz="2000" dirty="0" smtClean="0"/>
+              <a:t>simple </a:t>
+            </a:r>
+            <a:r>
+              <a:rPr lang="es-MX" sz="2000" dirty="0" err="1" smtClean="0"/>
+              <a:t>expression</a:t>
+            </a:r>
+            <a:r>
+              <a:rPr lang="es-MX" sz="2000" dirty="0" smtClean="0"/>
+              <a:t> </a:t>
+            </a:r>
+            <a:r>
+              <a:rPr lang="es-MX" sz="2000" dirty="0" err="1" smtClean="0"/>
+              <a:t>whose</a:t>
+            </a:r>
+            <a:r>
+              <a:rPr lang="es-MX" sz="2000" dirty="0" smtClean="0"/>
+              <a:t> </a:t>
+            </a:r>
+            <a:r>
+              <a:rPr lang="es-MX" sz="2000" dirty="0" err="1" smtClean="0"/>
+              <a:t>value</a:t>
+            </a:r>
+            <a:r>
+              <a:rPr lang="es-MX" sz="2000" dirty="0" smtClean="0"/>
+              <a:t> </a:t>
+            </a:r>
+            <a:r>
+              <a:rPr lang="es-MX" sz="2000" dirty="0" err="1" smtClean="0"/>
+              <a:t>is</a:t>
+            </a:r>
+            <a:r>
+              <a:rPr lang="es-MX" sz="2000" dirty="0" smtClean="0"/>
+              <a:t> 5.”</a:t>
+            </a:r>
+          </a:p>
+          <a:p>
+            <a:r>
+              <a:rPr lang="es-MX" sz="2000" dirty="0">
+                <a:hlinkClick r:id="rId3"/>
+              </a:rPr>
+              <a:t>https://quizlet.com/188164793/computer-science-chapter-3-flash-cards</a:t>
+            </a:r>
+            <a:r>
+              <a:rPr lang="es-MX" sz="2000" dirty="0" smtClean="0">
+                <a:hlinkClick r:id="rId3"/>
+              </a:rPr>
+              <a:t>/</a:t>
+            </a:r>
+            <a:endParaRPr lang="es-MX" sz="2000" dirty="0" smtClean="0"/>
+          </a:p>
+          <a:p>
+            <a:r>
+              <a:rPr lang="es-MX" sz="2000" dirty="0" smtClean="0"/>
+              <a:t>“Simple </a:t>
+            </a:r>
+            <a:r>
+              <a:rPr lang="es-MX" sz="2000" dirty="0" err="1"/>
+              <a:t>E</a:t>
+            </a:r>
+            <a:r>
+              <a:rPr lang="es-MX" sz="2000" dirty="0" err="1" smtClean="0"/>
+              <a:t>xpression</a:t>
+            </a:r>
+            <a:r>
+              <a:rPr lang="es-MX" sz="2000" dirty="0" smtClean="0"/>
+              <a:t>. </a:t>
+            </a:r>
+            <a:r>
+              <a:rPr lang="es-MX" sz="2000" dirty="0" err="1" smtClean="0"/>
+              <a:t>contains</a:t>
+            </a:r>
+            <a:r>
+              <a:rPr lang="es-MX" sz="2000" dirty="0" smtClean="0"/>
+              <a:t> </a:t>
+            </a:r>
+            <a:r>
+              <a:rPr lang="es-MX" sz="2000" dirty="0" err="1" smtClean="0"/>
+              <a:t>only</a:t>
+            </a:r>
+            <a:r>
+              <a:rPr lang="es-MX" sz="2000" dirty="0" smtClean="0"/>
+              <a:t> </a:t>
+            </a:r>
+            <a:r>
+              <a:rPr lang="es-MX" sz="2000" dirty="0" err="1" smtClean="0"/>
+              <a:t>one</a:t>
+            </a:r>
+            <a:r>
+              <a:rPr lang="es-MX" sz="2000" dirty="0" smtClean="0"/>
+              <a:t> </a:t>
+            </a:r>
+            <a:r>
+              <a:rPr lang="es-MX" sz="2000" dirty="0" err="1" smtClean="0"/>
+              <a:t>operator</a:t>
+            </a:r>
+            <a:r>
+              <a:rPr lang="es-MX" sz="2000" dirty="0" smtClean="0"/>
+              <a:t>. </a:t>
+            </a:r>
+            <a:r>
+              <a:rPr lang="es-MX" sz="2000" dirty="0" err="1" smtClean="0"/>
+              <a:t>Complex</a:t>
+            </a:r>
+            <a:r>
+              <a:rPr lang="es-MX" sz="2000" dirty="0" smtClean="0"/>
+              <a:t> </a:t>
+            </a:r>
+            <a:r>
+              <a:rPr lang="es-MX" sz="2000" dirty="0" err="1" smtClean="0"/>
+              <a:t>Expression</a:t>
+            </a:r>
+            <a:r>
+              <a:rPr lang="es-MX" sz="2000" dirty="0" smtClean="0"/>
+              <a:t>. </a:t>
+            </a:r>
+            <a:r>
+              <a:rPr lang="es-MX" sz="2000" dirty="0" err="1" smtClean="0"/>
+              <a:t>conatains</a:t>
+            </a:r>
+            <a:r>
+              <a:rPr lang="es-MX" sz="2000" dirty="0" smtClean="0"/>
+              <a:t> more tan </a:t>
+            </a:r>
+            <a:r>
+              <a:rPr lang="es-MX" sz="2000" dirty="0" err="1" smtClean="0"/>
+              <a:t>one</a:t>
+            </a:r>
+            <a:r>
+              <a:rPr lang="es-MX" sz="2000" dirty="0" smtClean="0"/>
+              <a:t> </a:t>
+            </a:r>
+            <a:r>
+              <a:rPr lang="es-MX" sz="2000" dirty="0" err="1" smtClean="0"/>
+              <a:t>operator</a:t>
+            </a:r>
+            <a:r>
+              <a:rPr lang="es-MX" sz="2000" dirty="0" smtClean="0"/>
+              <a:t>”</a:t>
+            </a:r>
+            <a:endParaRPr lang="es-MX" sz="2000" dirty="0"/>
+          </a:p>
+          <a:p>
+            <a:endParaRPr lang="es-MX" sz="2800" dirty="0"/>
+          </a:p>
+        </p:txBody>
+      </p:sp>
+    </p:spTree>
+    <p:extLst>
+      <p:ext uri="{BB962C8B-B14F-4D97-AF65-F5344CB8AC3E}">
+        <p14:creationId xmlns:p14="http://schemas.microsoft.com/office/powerpoint/2010/main" val="1131222556"/>
       </p:ext>
     </p:extLst>
   </p:cSld>
@@ -8393,6 +10666,220 @@
     <p:extLst>
       <p:ext uri="{BB962C8B-B14F-4D97-AF65-F5344CB8AC3E}">
         <p14:creationId xmlns:p14="http://schemas.microsoft.com/office/powerpoint/2010/main" val="1781351535"/>
+      </p:ext>
+    </p:extLst>
+  </p:cSld>
+  <p:clrMapOvr>
+    <a:masterClrMapping/>
+  </p:clrMapOvr>
+  <p:timing>
+    <p:tnLst>
+      <p:par>
+        <p:cTn id="1" dur="indefinite" restart="never" nodeType="tmRoot"/>
+      </p:par>
+    </p:tnLst>
+  </p:timing>
+</p:sld>
+</file>
+
+<file path=ppt/slides/slide70.xml><?xml version="1.0" encoding="utf-8"?>
+<p:sld xmlns:a="http://schemas.openxmlformats.org/drawingml/2006/main" xmlns:r="http://schemas.openxmlformats.org/officeDocument/2006/relationships" xmlns:p="http://schemas.openxmlformats.org/presentationml/2006/main">
+  <p:cSld>
+    <p:spTree>
+      <p:nvGrpSpPr>
+        <p:cNvPr id="1" name=""/>
+        <p:cNvGrpSpPr/>
+        <p:nvPr/>
+      </p:nvGrpSpPr>
+      <p:grpSpPr>
+        <a:xfrm>
+          <a:off x="0" y="0"/>
+          <a:ext cx="0" cy="0"/>
+          <a:chOff x="0" y="0"/>
+          <a:chExt cx="0" cy="0"/>
+        </a:xfrm>
+      </p:grpSpPr>
+      <p:sp>
+        <p:nvSpPr>
+          <p:cNvPr id="2" name="Título 1"/>
+          <p:cNvSpPr>
+            <a:spLocks noGrp="1"/>
+          </p:cNvSpPr>
+          <p:nvPr>
+            <p:ph type="title"/>
+          </p:nvPr>
+        </p:nvSpPr>
+        <p:spPr/>
+        <p:txBody>
+          <a:bodyPr/>
+          <a:lstStyle/>
+          <a:p>
+            <a:r>
+              <a:rPr lang="es-MX" dirty="0" smtClean="0"/>
+              <a:t>REFERENCIAS</a:t>
+            </a:r>
+            <a:endParaRPr lang="es-MX" dirty="0"/>
+          </a:p>
+        </p:txBody>
+      </p:sp>
+      <p:sp>
+        <p:nvSpPr>
+          <p:cNvPr id="3" name="Marcador de contenido 2"/>
+          <p:cNvSpPr>
+            <a:spLocks noGrp="1"/>
+          </p:cNvSpPr>
+          <p:nvPr>
+            <p:ph idx="1"/>
+          </p:nvPr>
+        </p:nvSpPr>
+        <p:spPr/>
+        <p:txBody>
+          <a:bodyPr/>
+          <a:lstStyle/>
+          <a:p>
+            <a:r>
+              <a:rPr lang="es-MX" dirty="0" smtClean="0"/>
+              <a:t>Bonet </a:t>
+            </a:r>
+            <a:r>
+              <a:rPr lang="es-MX" dirty="0"/>
+              <a:t>Esteban, E. V., Lenguaje </a:t>
+            </a:r>
+            <a:r>
+              <a:rPr lang="es-MX" dirty="0" smtClean="0"/>
+              <a:t>C, </a:t>
+            </a:r>
+            <a:r>
+              <a:rPr lang="es-MX" dirty="0">
+                <a:hlinkClick r:id="rId2"/>
+              </a:rPr>
+              <a:t>https://</a:t>
+            </a:r>
+            <a:r>
+              <a:rPr lang="es-MX" dirty="0" smtClean="0">
+                <a:hlinkClick r:id="rId2"/>
+              </a:rPr>
+              <a:t>informatica.uv.es/estguia/ATD/apuntes/laboratorio/Lenguaje-C.pdf</a:t>
+            </a:r>
+            <a:r>
+              <a:rPr lang="es-MX" dirty="0" smtClean="0"/>
+              <a:t>, (consultado: Febrero de 2021).</a:t>
+            </a:r>
+          </a:p>
+          <a:p>
+            <a:r>
+              <a:rPr lang="es-MX" dirty="0" err="1"/>
+              <a:t>Cheltenham</a:t>
+            </a:r>
+            <a:r>
+              <a:rPr lang="es-MX" dirty="0"/>
+              <a:t> </a:t>
+            </a:r>
+            <a:r>
+              <a:rPr lang="es-MX" dirty="0" err="1"/>
+              <a:t>Computer</a:t>
+            </a:r>
+            <a:r>
+              <a:rPr lang="es-MX" dirty="0"/>
+              <a:t> Training, C </a:t>
+            </a:r>
+            <a:r>
+              <a:rPr lang="es-MX" dirty="0" err="1"/>
+              <a:t>Programming</a:t>
+            </a:r>
+            <a:r>
+              <a:rPr lang="es-MX" dirty="0"/>
+              <a:t>, 1998</a:t>
+            </a:r>
+            <a:r>
+              <a:rPr lang="es-MX" dirty="0" smtClean="0"/>
+              <a:t>.</a:t>
+            </a:r>
+          </a:p>
+          <a:p>
+            <a:r>
+              <a:rPr lang="es-MX" dirty="0" err="1" smtClean="0"/>
+              <a:t>Joyanes</a:t>
+            </a:r>
+            <a:r>
+              <a:rPr lang="es-MX" dirty="0" smtClean="0"/>
+              <a:t> Aguilar Luis, Fundamentos de Programación, Algoritmos, Estructura de datos y Objetos, Ed. Mc Graw Hill</a:t>
+            </a:r>
+            <a:endParaRPr lang="es-MX" dirty="0" smtClean="0"/>
+          </a:p>
+          <a:p>
+            <a:r>
+              <a:rPr lang="es-MX" dirty="0" err="1" smtClean="0"/>
+              <a:t>Zirkhov</a:t>
+            </a:r>
+            <a:r>
+              <a:rPr lang="es-MX" dirty="0" smtClean="0"/>
+              <a:t>, Igor, </a:t>
+            </a:r>
+            <a:r>
+              <a:rPr lang="es-MX" dirty="0" err="1" smtClean="0"/>
+              <a:t>Low</a:t>
+            </a:r>
+            <a:r>
+              <a:rPr lang="es-MX" dirty="0" smtClean="0"/>
+              <a:t> </a:t>
+            </a:r>
+            <a:r>
+              <a:rPr lang="es-MX" dirty="0" err="1" smtClean="0"/>
+              <a:t>Level</a:t>
+            </a:r>
+            <a:r>
+              <a:rPr lang="es-MX" dirty="0" smtClean="0"/>
+              <a:t> </a:t>
+            </a:r>
+            <a:r>
+              <a:rPr lang="es-MX" dirty="0" err="1" smtClean="0"/>
+              <a:t>Programming</a:t>
+            </a:r>
+            <a:r>
+              <a:rPr lang="es-MX" dirty="0" smtClean="0"/>
+              <a:t>, C, </a:t>
+            </a:r>
+            <a:r>
+              <a:rPr lang="es-MX" dirty="0" err="1" smtClean="0"/>
+              <a:t>Assembly</a:t>
+            </a:r>
+            <a:r>
+              <a:rPr lang="es-MX" dirty="0" smtClean="0"/>
+              <a:t>, and </a:t>
+            </a:r>
+            <a:r>
+              <a:rPr lang="es-MX" dirty="0" err="1" smtClean="0"/>
+              <a:t>Program</a:t>
+            </a:r>
+            <a:r>
+              <a:rPr lang="es-MX" dirty="0" smtClean="0"/>
+              <a:t> </a:t>
+            </a:r>
+            <a:r>
+              <a:rPr lang="es-MX" dirty="0" err="1" smtClean="0"/>
+              <a:t>Execution</a:t>
+            </a:r>
+            <a:r>
+              <a:rPr lang="es-MX" dirty="0" smtClean="0"/>
+              <a:t>, </a:t>
+            </a:r>
+            <a:r>
+              <a:rPr lang="es-MX" dirty="0" err="1" smtClean="0"/>
+              <a:t>Apress</a:t>
+            </a:r>
+            <a:r>
+              <a:rPr lang="es-MX" dirty="0" smtClean="0"/>
+              <a:t>, 2017.</a:t>
+            </a:r>
+            <a:endParaRPr lang="es-MX" dirty="0"/>
+          </a:p>
+        </p:txBody>
+      </p:sp>
+    </p:spTree>
+    <p:extLst>
+      <p:ext uri="{BB962C8B-B14F-4D97-AF65-F5344CB8AC3E}">
+        <p14:creationId xmlns:p14="http://schemas.microsoft.com/office/powerpoint/2010/main" val="1501518000"/>
       </p:ext>
     </p:extLst>
   </p:cSld>
